--- a/lectures materials/mmp/MMP6 Design Pattern in Python.pptx
+++ b/lectures materials/mmp/MMP6 Design Pattern in Python.pptx
@@ -18,7 +18,13 @@
     <p:sldId id="290" r:id="rId12"/>
     <p:sldId id="291" r:id="rId13"/>
     <p:sldId id="292" r:id="rId14"/>
-    <p:sldId id="265" r:id="rId15"/>
+    <p:sldId id="293" r:id="rId15"/>
+    <p:sldId id="294" r:id="rId16"/>
+    <p:sldId id="295" r:id="rId17"/>
+    <p:sldId id="296" r:id="rId18"/>
+    <p:sldId id="297" r:id="rId19"/>
+    <p:sldId id="298" r:id="rId20"/>
+    <p:sldId id="265" r:id="rId21"/>
   </p:sldIdLst>
   <p:sldSz cx="12192000" cy="6858000"/>
   <p:notesSz cx="6858000" cy="9144000"/>
@@ -7133,123 +7139,4303 @@
           <a:lstStyle/>
           <a:p>
             <a:r>
-              <a:rPr lang="ru-RU" dirty="0" err="1" smtClean="0"/>
-              <a:t>Кінець</a:t>
-            </a:r>
-            <a:endParaRPr lang="ru-RU" dirty="0"/>
+              <a:rPr lang="ru-RU" b="1" dirty="0"/>
+              <a:t>Декоратор (</a:t>
+            </a:r>
+            <a:r>
+              <a:rPr lang="en-US" b="1" dirty="0"/>
+              <a:t>Decorator</a:t>
+            </a:r>
+            <a:r>
+              <a:rPr lang="en-US" b="1" dirty="0" smtClean="0"/>
+              <a:t>)</a:t>
+            </a:r>
+            <a:endParaRPr lang="ru-RU" b="1" dirty="0"/>
           </a:p>
         </p:txBody>
       </p:sp>
       <p:sp>
         <p:nvSpPr>
-          <p:cNvPr id="3" name="Прямоугольник 2"/>
-          <p:cNvSpPr/>
-          <p:nvPr/>
+          <p:cNvPr id="3" name="Текст 2"/>
+          <p:cNvSpPr>
+            <a:spLocks noGrp="1"/>
+          </p:cNvSpPr>
+          <p:nvPr>
+            <p:ph type="body" idx="1"/>
+          </p:nvPr>
         </p:nvSpPr>
         <p:spPr>
           <a:xfrm>
-            <a:off x="1080923" y="1432244"/>
-            <a:ext cx="234360" cy="307777"/>
+            <a:off x="415600" y="1536633"/>
+            <a:ext cx="6665684" cy="4800372"/>
+          </a:xfrm>
+        </p:spPr>
+        <p:txBody>
+          <a:bodyPr>
+            <a:normAutofit/>
+          </a:bodyPr>
+          <a:lstStyle/>
+          <a:p>
+            <a:pPr marL="186262" indent="0">
+              <a:buNone/>
+            </a:pPr>
+            <a:r>
+              <a:rPr lang="ru-RU" b="1" dirty="0" smtClean="0"/>
+              <a:t>Декоратор </a:t>
+            </a:r>
+            <a:r>
+              <a:rPr lang="ru-RU" b="1" dirty="0"/>
+              <a:t>(</a:t>
+            </a:r>
+            <a:r>
+              <a:rPr lang="en-US" b="1" dirty="0"/>
+              <a:t>Decorator)</a:t>
+            </a:r>
+            <a:r>
+              <a:rPr lang="en-US" dirty="0"/>
+              <a:t> — </a:t>
+            </a:r>
+            <a:r>
+              <a:rPr lang="ru-RU" dirty="0" err="1"/>
+              <a:t>це</a:t>
+            </a:r>
+            <a:r>
+              <a:rPr lang="ru-RU" dirty="0"/>
+              <a:t> </a:t>
+            </a:r>
+            <a:r>
+              <a:rPr lang="ru-RU" b="1" dirty="0" err="1"/>
+              <a:t>структурний</a:t>
+            </a:r>
+            <a:r>
+              <a:rPr lang="ru-RU" b="1" dirty="0"/>
+              <a:t> </a:t>
+            </a:r>
+            <a:r>
+              <a:rPr lang="ru-RU" b="1" dirty="0" err="1"/>
+              <a:t>патерн</a:t>
+            </a:r>
+            <a:r>
+              <a:rPr lang="ru-RU" dirty="0"/>
+              <a:t>, </a:t>
+            </a:r>
+            <a:r>
+              <a:rPr lang="ru-RU" dirty="0" err="1"/>
+              <a:t>який</a:t>
+            </a:r>
+            <a:r>
+              <a:rPr lang="ru-RU" dirty="0"/>
+              <a:t> </a:t>
+            </a:r>
+            <a:r>
+              <a:rPr lang="ru-RU" dirty="0" err="1"/>
+              <a:t>дозволяє</a:t>
+            </a:r>
+            <a:r>
+              <a:rPr lang="ru-RU" dirty="0"/>
+              <a:t> </a:t>
+            </a:r>
+            <a:r>
+              <a:rPr lang="ru-RU" b="1" dirty="0" err="1"/>
+              <a:t>додавати</a:t>
+            </a:r>
+            <a:r>
+              <a:rPr lang="ru-RU" b="1" dirty="0"/>
+              <a:t> </a:t>
+            </a:r>
+            <a:r>
+              <a:rPr lang="ru-RU" b="1" dirty="0" err="1"/>
+              <a:t>нову</a:t>
+            </a:r>
+            <a:r>
+              <a:rPr lang="ru-RU" b="1" dirty="0"/>
+              <a:t> </a:t>
+            </a:r>
+            <a:r>
+              <a:rPr lang="ru-RU" b="1" dirty="0" err="1"/>
+              <a:t>поведінку</a:t>
+            </a:r>
+            <a:r>
+              <a:rPr lang="ru-RU" b="1" dirty="0"/>
+              <a:t> </a:t>
+            </a:r>
+            <a:r>
+              <a:rPr lang="ru-RU" b="1" dirty="0" err="1"/>
+              <a:t>об'єктам</a:t>
+            </a:r>
+            <a:r>
+              <a:rPr lang="ru-RU" b="1" dirty="0"/>
+              <a:t> на </a:t>
+            </a:r>
+            <a:r>
+              <a:rPr lang="ru-RU" b="1" dirty="0" err="1"/>
+              <a:t>льоту</a:t>
+            </a:r>
+            <a:r>
+              <a:rPr lang="ru-RU" dirty="0"/>
+              <a:t>, </a:t>
+            </a:r>
+            <a:r>
+              <a:rPr lang="ru-RU" dirty="0" err="1"/>
+              <a:t>обгортаючи</a:t>
+            </a:r>
+            <a:r>
+              <a:rPr lang="ru-RU" dirty="0"/>
+              <a:t> </a:t>
+            </a:r>
+            <a:r>
+              <a:rPr lang="ru-RU" dirty="0" err="1"/>
+              <a:t>їх</a:t>
+            </a:r>
+            <a:r>
+              <a:rPr lang="ru-RU" dirty="0"/>
+              <a:t> у </a:t>
+            </a:r>
+            <a:r>
+              <a:rPr lang="ru-RU" dirty="0" err="1"/>
+              <a:t>спеціальні</a:t>
+            </a:r>
+            <a:r>
+              <a:rPr lang="ru-RU" dirty="0"/>
+              <a:t> </a:t>
+            </a:r>
+            <a:r>
+              <a:rPr lang="ru-RU" dirty="0" err="1"/>
+              <a:t>об'єкти-обгортки</a:t>
+            </a:r>
+            <a:r>
+              <a:rPr lang="ru-RU" dirty="0"/>
+              <a:t> (</a:t>
+            </a:r>
+            <a:r>
+              <a:rPr lang="en-US" b="1" dirty="0"/>
+              <a:t>wrapper</a:t>
+            </a:r>
+            <a:r>
+              <a:rPr lang="en-US" dirty="0"/>
+              <a:t>).</a:t>
+            </a:r>
+          </a:p>
+          <a:p>
+            <a:pPr marL="186262" indent="0">
+              <a:buNone/>
+            </a:pPr>
+            <a:r>
+              <a:rPr lang="ru-RU" b="1" dirty="0" smtClean="0"/>
+              <a:t>Коли </a:t>
+            </a:r>
+            <a:r>
+              <a:rPr lang="ru-RU" b="1" dirty="0" err="1"/>
+              <a:t>використовувати</a:t>
+            </a:r>
+            <a:r>
+              <a:rPr lang="ru-RU" b="1" dirty="0"/>
+              <a:t> </a:t>
+            </a:r>
+            <a:r>
+              <a:rPr lang="ru-RU" b="1" dirty="0" err="1"/>
+              <a:t>патерн</a:t>
+            </a:r>
+            <a:r>
+              <a:rPr lang="ru-RU" b="1" dirty="0"/>
+              <a:t> Декоратор?</a:t>
+            </a:r>
+          </a:p>
+          <a:p>
+            <a:r>
+              <a:rPr lang="ru-RU" b="1" dirty="0" smtClean="0"/>
+              <a:t>Коли </a:t>
+            </a:r>
+            <a:r>
+              <a:rPr lang="ru-RU" b="1" dirty="0" err="1"/>
+              <a:t>потрібно</a:t>
+            </a:r>
+            <a:r>
+              <a:rPr lang="ru-RU" b="1" dirty="0"/>
+              <a:t> </a:t>
+            </a:r>
+            <a:r>
+              <a:rPr lang="ru-RU" b="1" dirty="0" err="1"/>
+              <a:t>динамічно</a:t>
+            </a:r>
+            <a:r>
+              <a:rPr lang="ru-RU" b="1" dirty="0"/>
+              <a:t> </a:t>
+            </a:r>
+            <a:r>
+              <a:rPr lang="ru-RU" b="1" dirty="0" err="1"/>
+              <a:t>додавати</a:t>
+            </a:r>
+            <a:r>
+              <a:rPr lang="ru-RU" b="1" dirty="0"/>
+              <a:t> </a:t>
+            </a:r>
+            <a:r>
+              <a:rPr lang="ru-RU" b="1" dirty="0" err="1"/>
+              <a:t>нові</a:t>
+            </a:r>
+            <a:r>
+              <a:rPr lang="ru-RU" b="1" dirty="0"/>
+              <a:t> </a:t>
+            </a:r>
+            <a:r>
+              <a:rPr lang="ru-RU" b="1" dirty="0" err="1"/>
+              <a:t>можливості</a:t>
+            </a:r>
+            <a:r>
+              <a:rPr lang="ru-RU" b="1" dirty="0"/>
+              <a:t> </a:t>
+            </a:r>
+            <a:r>
+              <a:rPr lang="ru-RU" b="1" dirty="0" err="1"/>
+              <a:t>об'єкту</a:t>
+            </a:r>
+            <a:r>
+              <a:rPr lang="ru-RU" b="1" dirty="0"/>
+              <a:t> без </a:t>
+            </a:r>
+            <a:r>
+              <a:rPr lang="ru-RU" b="1" dirty="0" err="1"/>
+              <a:t>зміни</a:t>
+            </a:r>
+            <a:r>
+              <a:rPr lang="ru-RU" b="1" dirty="0"/>
+              <a:t> </a:t>
+            </a:r>
+            <a:r>
+              <a:rPr lang="ru-RU" b="1" dirty="0" err="1"/>
+              <a:t>його</a:t>
+            </a:r>
+            <a:r>
+              <a:rPr lang="ru-RU" b="1" dirty="0"/>
+              <a:t> </a:t>
+            </a:r>
+            <a:r>
+              <a:rPr lang="ru-RU" b="1" dirty="0" smtClean="0"/>
+              <a:t>коду.</a:t>
+            </a:r>
+            <a:endParaRPr lang="ru-RU" dirty="0" smtClean="0"/>
+          </a:p>
+          <a:p>
+            <a:r>
+              <a:rPr lang="ru-RU" b="1" dirty="0" smtClean="0"/>
+              <a:t>Коли </a:t>
+            </a:r>
+            <a:r>
+              <a:rPr lang="ru-RU" b="1" dirty="0"/>
+              <a:t>є </a:t>
+            </a:r>
+            <a:r>
+              <a:rPr lang="ru-RU" b="1" dirty="0" err="1"/>
+              <a:t>кілька</a:t>
+            </a:r>
+            <a:r>
+              <a:rPr lang="ru-RU" b="1" dirty="0"/>
+              <a:t> </a:t>
+            </a:r>
+            <a:r>
+              <a:rPr lang="ru-RU" b="1" dirty="0" err="1"/>
+              <a:t>незалежних</a:t>
+            </a:r>
+            <a:r>
+              <a:rPr lang="ru-RU" b="1" dirty="0"/>
+              <a:t> </a:t>
+            </a:r>
+            <a:r>
+              <a:rPr lang="ru-RU" b="1" dirty="0" err="1"/>
+              <a:t>доповнень</a:t>
+            </a:r>
+            <a:r>
+              <a:rPr lang="ru-RU" b="1" dirty="0"/>
+              <a:t>, і </a:t>
+            </a:r>
+            <a:r>
+              <a:rPr lang="ru-RU" b="1" dirty="0" err="1"/>
+              <a:t>їх</a:t>
+            </a:r>
+            <a:r>
+              <a:rPr lang="ru-RU" b="1" dirty="0"/>
+              <a:t> </a:t>
+            </a:r>
+            <a:r>
+              <a:rPr lang="ru-RU" b="1" dirty="0" err="1"/>
+              <a:t>можна</a:t>
+            </a:r>
+            <a:r>
+              <a:rPr lang="ru-RU" b="1" dirty="0"/>
+              <a:t> </a:t>
+            </a:r>
+            <a:r>
+              <a:rPr lang="ru-RU" b="1" dirty="0" err="1"/>
+              <a:t>комбінувати</a:t>
+            </a:r>
+            <a:r>
+              <a:rPr lang="ru-RU" b="1" dirty="0"/>
+              <a:t> у будь-</a:t>
+            </a:r>
+            <a:r>
+              <a:rPr lang="ru-RU" b="1" dirty="0" err="1"/>
+              <a:t>якому</a:t>
+            </a:r>
+            <a:r>
+              <a:rPr lang="ru-RU" b="1" dirty="0"/>
+              <a:t> </a:t>
+            </a:r>
+            <a:r>
+              <a:rPr lang="ru-RU" b="1" dirty="0" smtClean="0"/>
+              <a:t>порядку.</a:t>
+            </a:r>
+            <a:endParaRPr lang="ru-RU" dirty="0" smtClean="0"/>
+          </a:p>
+          <a:p>
+            <a:r>
+              <a:rPr lang="ru-RU" b="1" dirty="0" smtClean="0"/>
+              <a:t>Коли </a:t>
+            </a:r>
+            <a:r>
+              <a:rPr lang="ru-RU" b="1" dirty="0"/>
+              <a:t>не </a:t>
+            </a:r>
+            <a:r>
+              <a:rPr lang="ru-RU" b="1" dirty="0" err="1"/>
+              <a:t>можна</a:t>
+            </a:r>
+            <a:r>
+              <a:rPr lang="ru-RU" b="1" dirty="0"/>
+              <a:t> (</a:t>
+            </a:r>
+            <a:r>
+              <a:rPr lang="ru-RU" b="1" dirty="0" err="1"/>
+              <a:t>або</a:t>
+            </a:r>
+            <a:r>
+              <a:rPr lang="ru-RU" b="1" dirty="0"/>
+              <a:t> не </a:t>
+            </a:r>
+            <a:r>
+              <a:rPr lang="ru-RU" b="1" dirty="0" err="1"/>
+              <a:t>хочеться</a:t>
+            </a:r>
+            <a:r>
+              <a:rPr lang="ru-RU" b="1" dirty="0"/>
+              <a:t>) </a:t>
+            </a:r>
+            <a:r>
+              <a:rPr lang="ru-RU" b="1" dirty="0" err="1"/>
+              <a:t>використовувати</a:t>
+            </a:r>
+            <a:r>
+              <a:rPr lang="ru-RU" b="1" dirty="0"/>
+              <a:t> </a:t>
+            </a:r>
+            <a:r>
+              <a:rPr lang="ru-RU" b="1" dirty="0" err="1"/>
+              <a:t>спадкування</a:t>
+            </a:r>
+            <a:r>
+              <a:rPr lang="ru-RU" b="1" dirty="0"/>
+              <a:t> для </a:t>
+            </a:r>
+            <a:r>
+              <a:rPr lang="ru-RU" b="1" dirty="0" err="1"/>
+              <a:t>додавання</a:t>
+            </a:r>
+            <a:r>
+              <a:rPr lang="ru-RU" b="1" dirty="0"/>
+              <a:t> </a:t>
+            </a:r>
+            <a:r>
+              <a:rPr lang="ru-RU" b="1" dirty="0" err="1"/>
+              <a:t>поведінки</a:t>
+            </a:r>
+            <a:r>
+              <a:rPr lang="ru-RU" b="1" dirty="0"/>
+              <a:t>.</a:t>
+            </a:r>
+            <a:endParaRPr lang="ru-RU" dirty="0"/>
+          </a:p>
+          <a:p>
+            <a:pPr marL="186262" indent="0">
+              <a:buNone/>
+            </a:pPr>
+            <a:endParaRPr lang="ru-RU" dirty="0"/>
+          </a:p>
+        </p:txBody>
+      </p:sp>
+      <p:sp>
+        <p:nvSpPr>
+          <p:cNvPr id="6" name="AutoShape 4" descr="Adiós John Vlissides | La Naturaleza del Software"/>
+          <p:cNvSpPr>
+            <a:spLocks noChangeAspect="1" noChangeArrowheads="1"/>
+          </p:cNvSpPr>
+          <p:nvPr/>
+        </p:nvSpPr>
+        <p:spPr bwMode="auto">
+          <a:xfrm>
+            <a:off x="155575" y="-144463"/>
+            <a:ext cx="304800" cy="304801"/>
           </a:xfrm>
           <a:prstGeom prst="rect">
             <a:avLst/>
           </a:prstGeom>
+          <a:noFill/>
+          <a:extLst>
+            <a:ext uri="{909E8E84-426E-40DD-AFC4-6F175D3DCCD1}">
+              <a14:hiddenFill xmlns:a14="http://schemas.microsoft.com/office/drawing/2010/main">
+                <a:solidFill>
+                  <a:srgbClr val="FFFFFF"/>
+                </a:solidFill>
+              </a14:hiddenFill>
+            </a:ext>
+          </a:extLst>
         </p:spPr>
         <p:txBody>
-          <a:bodyPr wrap="none">
-            <a:spAutoFit/>
+          <a:bodyPr vert="horz" wrap="square" lIns="91440" tIns="45720" rIns="91440" bIns="45720" numCol="1" anchor="t" anchorCtr="0" compatLnSpc="1">
+            <a:prstTxWarp prst="textNoShape">
+              <a:avLst/>
+            </a:prstTxWarp>
           </a:bodyPr>
           <a:lstStyle/>
           <a:p>
-            <a:r>
-              <a:rPr lang="uk-UA" dirty="0">
-                <a:solidFill>
-                  <a:schemeClr val="tx1"/>
-                </a:solidFill>
-              </a:rPr>
-              <a:t>.</a:t>
-            </a:r>
-            <a:endParaRPr lang="ru-RU" dirty="0">
-              <a:solidFill>
-                <a:schemeClr val="tx1"/>
-              </a:solidFill>
-            </a:endParaRPr>
+            <a:endParaRPr lang="ru-RU"/>
           </a:p>
         </p:txBody>
       </p:sp>
       <p:sp>
         <p:nvSpPr>
-          <p:cNvPr id="4" name="Прямоугольник 3"/>
-          <p:cNvSpPr/>
+          <p:cNvPr id="7" name="AutoShape 6" descr="Adiós John Vlissides | La Naturaleza del Software"/>
+          <p:cNvSpPr>
+            <a:spLocks noChangeAspect="1" noChangeArrowheads="1"/>
+          </p:cNvSpPr>
           <p:nvPr/>
         </p:nvSpPr>
-        <p:spPr>
+        <p:spPr bwMode="auto">
           <a:xfrm>
-            <a:off x="4070445" y="3275112"/>
-            <a:ext cx="5724644" cy="307777"/>
+            <a:off x="307975" y="7937"/>
+            <a:ext cx="304800" cy="304801"/>
           </a:xfrm>
           <a:prstGeom prst="rect">
             <a:avLst/>
           </a:prstGeom>
+          <a:noFill/>
+          <a:extLst>
+            <a:ext uri="{909E8E84-426E-40DD-AFC4-6F175D3DCCD1}">
+              <a14:hiddenFill xmlns:a14="http://schemas.microsoft.com/office/drawing/2010/main">
+                <a:solidFill>
+                  <a:srgbClr val="FFFFFF"/>
+                </a:solidFill>
+              </a14:hiddenFill>
+            </a:ext>
+          </a:extLst>
         </p:spPr>
         <p:txBody>
-          <a:bodyPr wrap="none">
-            <a:spAutoFit/>
+          <a:bodyPr vert="horz" wrap="square" lIns="91440" tIns="45720" rIns="91440" bIns="45720" numCol="1" anchor="t" anchorCtr="0" compatLnSpc="1">
+            <a:prstTxWarp prst="textNoShape">
+              <a:avLst/>
+            </a:prstTxWarp>
           </a:bodyPr>
           <a:lstStyle/>
           <a:p>
-            <a:r>
-              <a:rPr lang="uk-UA" dirty="0" smtClean="0">
+            <a:endParaRPr lang="ru-RU"/>
+          </a:p>
+        </p:txBody>
+      </p:sp>
+      <p:sp>
+        <p:nvSpPr>
+          <p:cNvPr id="8" name="AutoShape 8" descr="https://lnds.net/blog/lnds/2005/11/28/adios-john-vlissides/GOF-OOPSLA-1994_hud4ba4d769b17bed9bedfa43cf34b9c50_53287_8b4ed1cae97cd1c8c0242a5f7000d799.webp"/>
+          <p:cNvSpPr>
+            <a:spLocks noChangeAspect="1" noChangeArrowheads="1"/>
+          </p:cNvSpPr>
+          <p:nvPr/>
+        </p:nvSpPr>
+        <p:spPr bwMode="auto">
+          <a:xfrm>
+            <a:off x="460375" y="160337"/>
+            <a:ext cx="304800" cy="304801"/>
+          </a:xfrm>
+          <a:prstGeom prst="rect">
+            <a:avLst/>
+          </a:prstGeom>
+          <a:noFill/>
+          <a:extLst>
+            <a:ext uri="{909E8E84-426E-40DD-AFC4-6F175D3DCCD1}">
+              <a14:hiddenFill xmlns:a14="http://schemas.microsoft.com/office/drawing/2010/main">
+                <a:solidFill>
+                  <a:srgbClr val="FFFFFF"/>
+                </a:solidFill>
+              </a14:hiddenFill>
+            </a:ext>
+          </a:extLst>
+        </p:spPr>
+        <p:txBody>
+          <a:bodyPr vert="horz" wrap="square" lIns="91440" tIns="45720" rIns="91440" bIns="45720" numCol="1" anchor="t" anchorCtr="0" compatLnSpc="1">
+            <a:prstTxWarp prst="textNoShape">
+              <a:avLst/>
+            </a:prstTxWarp>
+          </a:bodyPr>
+          <a:lstStyle/>
+          <a:p>
+            <a:endParaRPr lang="ru-RU"/>
+          </a:p>
+        </p:txBody>
+      </p:sp>
+      <p:sp>
+        <p:nvSpPr>
+          <p:cNvPr id="9" name="AutoShape 10" descr="https://lnds.net/blog/lnds/2005/11/28/adios-john-vlissides/GOF-OOPSLA-1994_hud4ba4d769b17bed9bedfa43cf34b9c50_53287_8b4ed1cae97cd1c8c0242a5f7000d799.webp"/>
+          <p:cNvSpPr>
+            <a:spLocks noChangeAspect="1" noChangeArrowheads="1"/>
+          </p:cNvSpPr>
+          <p:nvPr/>
+        </p:nvSpPr>
+        <p:spPr bwMode="auto">
+          <a:xfrm>
+            <a:off x="612775" y="312737"/>
+            <a:ext cx="304800" cy="304801"/>
+          </a:xfrm>
+          <a:prstGeom prst="rect">
+            <a:avLst/>
+          </a:prstGeom>
+          <a:noFill/>
+          <a:extLst>
+            <a:ext uri="{909E8E84-426E-40DD-AFC4-6F175D3DCCD1}">
+              <a14:hiddenFill xmlns:a14="http://schemas.microsoft.com/office/drawing/2010/main">
+                <a:solidFill>
+                  <a:srgbClr val="FFFFFF"/>
+                </a:solidFill>
+              </a14:hiddenFill>
+            </a:ext>
+          </a:extLst>
+        </p:spPr>
+        <p:txBody>
+          <a:bodyPr vert="horz" wrap="square" lIns="91440" tIns="45720" rIns="91440" bIns="45720" numCol="1" anchor="t" anchorCtr="0" compatLnSpc="1">
+            <a:prstTxWarp prst="textNoShape">
+              <a:avLst/>
+            </a:prstTxWarp>
+          </a:bodyPr>
+          <a:lstStyle/>
+          <a:p>
+            <a:endParaRPr lang="ru-RU"/>
+          </a:p>
+        </p:txBody>
+      </p:sp>
+      <p:pic>
+        <p:nvPicPr>
+          <p:cNvPr id="8194" name="Picture 2"/>
+          <p:cNvPicPr>
+            <a:picLocks noChangeAspect="1" noChangeArrowheads="1"/>
+          </p:cNvPicPr>
+          <p:nvPr/>
+        </p:nvPicPr>
+        <p:blipFill>
+          <a:blip r:embed="rId2">
+            <a:extLst>
+              <a:ext uri="{28A0092B-C50C-407E-A947-70E740481C1C}">
+                <a14:useLocalDpi xmlns:a14="http://schemas.microsoft.com/office/drawing/2010/main" val="0"/>
+              </a:ext>
+            </a:extLst>
+          </a:blip>
+          <a:srcRect/>
+          <a:stretch>
+            <a:fillRect/>
+          </a:stretch>
+        </p:blipFill>
+        <p:spPr bwMode="auto">
+          <a:xfrm>
+            <a:off x="8020308" y="664590"/>
+            <a:ext cx="3303366" cy="5808057"/>
+          </a:xfrm>
+          <a:prstGeom prst="rect">
+            <a:avLst/>
+          </a:prstGeom>
+          <a:noFill/>
+          <a:ln>
+            <a:noFill/>
+          </a:ln>
+          <a:effectLst/>
+          <a:extLst>
+            <a:ext uri="{909E8E84-426E-40DD-AFC4-6F175D3DCCD1}">
+              <a14:hiddenFill xmlns:a14="http://schemas.microsoft.com/office/drawing/2010/main">
+                <a:solidFill>
+                  <a:schemeClr val="accent1"/>
+                </a:solidFill>
+              </a14:hiddenFill>
+            </a:ext>
+            <a:ext uri="{91240B29-F687-4F45-9708-019B960494DF}">
+              <a14:hiddenLine xmlns:a14="http://schemas.microsoft.com/office/drawing/2010/main" w="9525">
                 <a:solidFill>
                   <a:schemeClr val="tx1"/>
                 </a:solidFill>
-              </a:rPr>
-              <a:t>Більше про </a:t>
-            </a:r>
-            <a:r>
-              <a:rPr lang="uk-UA" dirty="0" err="1" smtClean="0">
+                <a:miter lim="800000"/>
+                <a:headEnd/>
+                <a:tailEnd/>
+              </a14:hiddenLine>
+            </a:ext>
+            <a:ext uri="{AF507438-7753-43E0-B8FC-AC1667EBCBE1}">
+              <a14:hiddenEffects xmlns:a14="http://schemas.microsoft.com/office/drawing/2010/main">
+                <a:effectLst>
+                  <a:outerShdw dist="35921" dir="2700000" algn="ctr" rotWithShape="0">
+                    <a:schemeClr val="bg2"/>
+                  </a:outerShdw>
+                </a:effectLst>
+              </a14:hiddenEffects>
+            </a:ext>
+          </a:extLst>
+        </p:spPr>
+      </p:pic>
+    </p:spTree>
+    <p:extLst>
+      <p:ext uri="{BB962C8B-B14F-4D97-AF65-F5344CB8AC3E}">
+        <p14:creationId xmlns:p14="http://schemas.microsoft.com/office/powerpoint/2010/main" val="3207914459"/>
+      </p:ext>
+    </p:extLst>
+  </p:cSld>
+  <p:clrMapOvr>
+    <a:masterClrMapping/>
+  </p:clrMapOvr>
+</p:sld>
+</file>
+
+<file path=ppt/slides/slide15.xml><?xml version="1.0" encoding="utf-8"?>
+<p:sld xmlns:a="http://schemas.openxmlformats.org/drawingml/2006/main" xmlns:r="http://schemas.openxmlformats.org/officeDocument/2006/relationships" xmlns:p="http://schemas.openxmlformats.org/presentationml/2006/main">
+  <p:cSld>
+    <p:spTree>
+      <p:nvGrpSpPr>
+        <p:cNvPr id="1" name=""/>
+        <p:cNvGrpSpPr/>
+        <p:nvPr/>
+      </p:nvGrpSpPr>
+      <p:grpSpPr>
+        <a:xfrm>
+          <a:off x="0" y="0"/>
+          <a:ext cx="0" cy="0"/>
+          <a:chOff x="0" y="0"/>
+          <a:chExt cx="0" cy="0"/>
+        </a:xfrm>
+      </p:grpSpPr>
+      <p:sp>
+        <p:nvSpPr>
+          <p:cNvPr id="2" name="Заголовок 1"/>
+          <p:cNvSpPr>
+            <a:spLocks noGrp="1"/>
+          </p:cNvSpPr>
+          <p:nvPr>
+            <p:ph type="title"/>
+          </p:nvPr>
+        </p:nvSpPr>
+        <p:spPr/>
+        <p:txBody>
+          <a:bodyPr/>
+          <a:lstStyle/>
+          <a:p>
+            <a:r>
+              <a:rPr lang="ru-RU" b="1" dirty="0"/>
+              <a:t>Декоратор (</a:t>
+            </a:r>
+            <a:r>
+              <a:rPr lang="en-US" b="1" dirty="0"/>
+              <a:t>Decorator</a:t>
+            </a:r>
+            <a:r>
+              <a:rPr lang="en-US" b="1" dirty="0" smtClean="0"/>
+              <a:t>)</a:t>
+            </a:r>
+            <a:endParaRPr lang="ru-RU" b="1" dirty="0"/>
+          </a:p>
+        </p:txBody>
+      </p:sp>
+      <p:sp>
+        <p:nvSpPr>
+          <p:cNvPr id="3" name="Текст 2"/>
+          <p:cNvSpPr>
+            <a:spLocks noGrp="1"/>
+          </p:cNvSpPr>
+          <p:nvPr>
+            <p:ph type="body" idx="1"/>
+          </p:nvPr>
+        </p:nvSpPr>
+        <p:spPr>
+          <a:xfrm>
+            <a:off x="415600" y="1536633"/>
+            <a:ext cx="6665684" cy="4800372"/>
+          </a:xfrm>
+        </p:spPr>
+        <p:txBody>
+          <a:bodyPr>
+            <a:normAutofit/>
+          </a:bodyPr>
+          <a:lstStyle/>
+          <a:p>
+            <a:pPr marL="186262" indent="0">
+              <a:buNone/>
+            </a:pPr>
+            <a:r>
+              <a:rPr lang="ru-RU" b="1" dirty="0" smtClean="0"/>
+              <a:t>Декоратор </a:t>
+            </a:r>
+            <a:r>
+              <a:rPr lang="ru-RU" b="1" dirty="0"/>
+              <a:t>(</a:t>
+            </a:r>
+            <a:r>
+              <a:rPr lang="en-US" b="1" dirty="0"/>
+              <a:t>Decorator)</a:t>
+            </a:r>
+            <a:r>
+              <a:rPr lang="en-US" dirty="0"/>
+              <a:t> — </a:t>
+            </a:r>
+            <a:r>
+              <a:rPr lang="ru-RU" dirty="0" err="1"/>
+              <a:t>це</a:t>
+            </a:r>
+            <a:r>
+              <a:rPr lang="ru-RU" dirty="0"/>
+              <a:t> </a:t>
+            </a:r>
+            <a:r>
+              <a:rPr lang="ru-RU" b="1" dirty="0" err="1"/>
+              <a:t>структурний</a:t>
+            </a:r>
+            <a:r>
+              <a:rPr lang="ru-RU" b="1" dirty="0"/>
+              <a:t> </a:t>
+            </a:r>
+            <a:r>
+              <a:rPr lang="ru-RU" b="1" dirty="0" err="1"/>
+              <a:t>патерн</a:t>
+            </a:r>
+            <a:r>
+              <a:rPr lang="ru-RU" dirty="0"/>
+              <a:t>, </a:t>
+            </a:r>
+            <a:r>
+              <a:rPr lang="ru-RU" dirty="0" err="1"/>
+              <a:t>який</a:t>
+            </a:r>
+            <a:r>
+              <a:rPr lang="ru-RU" dirty="0"/>
+              <a:t> </a:t>
+            </a:r>
+            <a:r>
+              <a:rPr lang="ru-RU" dirty="0" err="1"/>
+              <a:t>дозволяє</a:t>
+            </a:r>
+            <a:r>
+              <a:rPr lang="ru-RU" dirty="0"/>
+              <a:t> </a:t>
+            </a:r>
+            <a:r>
+              <a:rPr lang="ru-RU" b="1" dirty="0" err="1"/>
+              <a:t>додавати</a:t>
+            </a:r>
+            <a:r>
+              <a:rPr lang="ru-RU" b="1" dirty="0"/>
+              <a:t> </a:t>
+            </a:r>
+            <a:r>
+              <a:rPr lang="ru-RU" b="1" dirty="0" err="1"/>
+              <a:t>нову</a:t>
+            </a:r>
+            <a:r>
+              <a:rPr lang="ru-RU" b="1" dirty="0"/>
+              <a:t> </a:t>
+            </a:r>
+            <a:r>
+              <a:rPr lang="ru-RU" b="1" dirty="0" err="1"/>
+              <a:t>поведінку</a:t>
+            </a:r>
+            <a:r>
+              <a:rPr lang="ru-RU" b="1" dirty="0"/>
+              <a:t> </a:t>
+            </a:r>
+            <a:r>
+              <a:rPr lang="ru-RU" b="1" dirty="0" err="1"/>
+              <a:t>об'єктам</a:t>
+            </a:r>
+            <a:r>
+              <a:rPr lang="ru-RU" b="1" dirty="0"/>
+              <a:t> на </a:t>
+            </a:r>
+            <a:r>
+              <a:rPr lang="ru-RU" b="1" dirty="0" err="1"/>
+              <a:t>льоту</a:t>
+            </a:r>
+            <a:r>
+              <a:rPr lang="ru-RU" dirty="0"/>
+              <a:t>, </a:t>
+            </a:r>
+            <a:r>
+              <a:rPr lang="ru-RU" dirty="0" err="1"/>
+              <a:t>обгортаючи</a:t>
+            </a:r>
+            <a:r>
+              <a:rPr lang="ru-RU" dirty="0"/>
+              <a:t> </a:t>
+            </a:r>
+            <a:r>
+              <a:rPr lang="ru-RU" dirty="0" err="1"/>
+              <a:t>їх</a:t>
+            </a:r>
+            <a:r>
+              <a:rPr lang="ru-RU" dirty="0"/>
+              <a:t> у </a:t>
+            </a:r>
+            <a:r>
+              <a:rPr lang="ru-RU" dirty="0" err="1"/>
+              <a:t>спеціальні</a:t>
+            </a:r>
+            <a:r>
+              <a:rPr lang="ru-RU" dirty="0"/>
+              <a:t> </a:t>
+            </a:r>
+            <a:r>
+              <a:rPr lang="ru-RU" dirty="0" err="1"/>
+              <a:t>об'єкти-обгортки</a:t>
+            </a:r>
+            <a:r>
+              <a:rPr lang="ru-RU" dirty="0"/>
+              <a:t> (</a:t>
+            </a:r>
+            <a:r>
+              <a:rPr lang="en-US" b="1" dirty="0"/>
+              <a:t>wrapper</a:t>
+            </a:r>
+            <a:r>
+              <a:rPr lang="en-US" dirty="0"/>
+              <a:t>).</a:t>
+            </a:r>
+          </a:p>
+          <a:p>
+            <a:pPr marL="186262" indent="0">
+              <a:buNone/>
+            </a:pPr>
+            <a:r>
+              <a:rPr lang="ru-RU" b="1" dirty="0" smtClean="0"/>
+              <a:t>Коли </a:t>
+            </a:r>
+            <a:r>
+              <a:rPr lang="ru-RU" b="1" dirty="0" err="1"/>
+              <a:t>використовувати</a:t>
+            </a:r>
+            <a:r>
+              <a:rPr lang="ru-RU" b="1" dirty="0"/>
+              <a:t> </a:t>
+            </a:r>
+            <a:r>
+              <a:rPr lang="ru-RU" b="1" dirty="0" err="1"/>
+              <a:t>патерн</a:t>
+            </a:r>
+            <a:r>
+              <a:rPr lang="ru-RU" b="1" dirty="0"/>
+              <a:t> Декоратор?</a:t>
+            </a:r>
+          </a:p>
+          <a:p>
+            <a:r>
+              <a:rPr lang="ru-RU" b="1" dirty="0" smtClean="0"/>
+              <a:t>Коли </a:t>
+            </a:r>
+            <a:r>
+              <a:rPr lang="ru-RU" b="1" dirty="0" err="1"/>
+              <a:t>потрібно</a:t>
+            </a:r>
+            <a:r>
+              <a:rPr lang="ru-RU" b="1" dirty="0"/>
+              <a:t> </a:t>
+            </a:r>
+            <a:r>
+              <a:rPr lang="ru-RU" b="1" dirty="0" err="1"/>
+              <a:t>динамічно</a:t>
+            </a:r>
+            <a:r>
+              <a:rPr lang="ru-RU" b="1" dirty="0"/>
+              <a:t> </a:t>
+            </a:r>
+            <a:r>
+              <a:rPr lang="ru-RU" b="1" dirty="0" err="1"/>
+              <a:t>додавати</a:t>
+            </a:r>
+            <a:r>
+              <a:rPr lang="ru-RU" b="1" dirty="0"/>
+              <a:t> </a:t>
+            </a:r>
+            <a:r>
+              <a:rPr lang="ru-RU" b="1" dirty="0" err="1"/>
+              <a:t>нові</a:t>
+            </a:r>
+            <a:r>
+              <a:rPr lang="ru-RU" b="1" dirty="0"/>
+              <a:t> </a:t>
+            </a:r>
+            <a:r>
+              <a:rPr lang="ru-RU" b="1" dirty="0" err="1"/>
+              <a:t>можливості</a:t>
+            </a:r>
+            <a:r>
+              <a:rPr lang="ru-RU" b="1" dirty="0"/>
+              <a:t> </a:t>
+            </a:r>
+            <a:r>
+              <a:rPr lang="ru-RU" b="1" dirty="0" err="1"/>
+              <a:t>об'єкту</a:t>
+            </a:r>
+            <a:r>
+              <a:rPr lang="ru-RU" b="1" dirty="0"/>
+              <a:t> без </a:t>
+            </a:r>
+            <a:r>
+              <a:rPr lang="ru-RU" b="1" dirty="0" err="1"/>
+              <a:t>зміни</a:t>
+            </a:r>
+            <a:r>
+              <a:rPr lang="ru-RU" b="1" dirty="0"/>
+              <a:t> </a:t>
+            </a:r>
+            <a:r>
+              <a:rPr lang="ru-RU" b="1" dirty="0" err="1"/>
+              <a:t>його</a:t>
+            </a:r>
+            <a:r>
+              <a:rPr lang="ru-RU" b="1" dirty="0"/>
+              <a:t> </a:t>
+            </a:r>
+            <a:r>
+              <a:rPr lang="ru-RU" b="1" dirty="0" smtClean="0"/>
+              <a:t>коду.</a:t>
+            </a:r>
+            <a:endParaRPr lang="ru-RU" dirty="0" smtClean="0"/>
+          </a:p>
+          <a:p>
+            <a:r>
+              <a:rPr lang="ru-RU" b="1" dirty="0" smtClean="0"/>
+              <a:t>Коли </a:t>
+            </a:r>
+            <a:r>
+              <a:rPr lang="ru-RU" b="1" dirty="0"/>
+              <a:t>є </a:t>
+            </a:r>
+            <a:r>
+              <a:rPr lang="ru-RU" b="1" dirty="0" err="1"/>
+              <a:t>кілька</a:t>
+            </a:r>
+            <a:r>
+              <a:rPr lang="ru-RU" b="1" dirty="0"/>
+              <a:t> </a:t>
+            </a:r>
+            <a:r>
+              <a:rPr lang="ru-RU" b="1" dirty="0" err="1"/>
+              <a:t>незалежних</a:t>
+            </a:r>
+            <a:r>
+              <a:rPr lang="ru-RU" b="1" dirty="0"/>
+              <a:t> </a:t>
+            </a:r>
+            <a:r>
+              <a:rPr lang="ru-RU" b="1" dirty="0" err="1"/>
+              <a:t>доповнень</a:t>
+            </a:r>
+            <a:r>
+              <a:rPr lang="ru-RU" b="1" dirty="0"/>
+              <a:t>, і </a:t>
+            </a:r>
+            <a:r>
+              <a:rPr lang="ru-RU" b="1" dirty="0" err="1"/>
+              <a:t>їх</a:t>
+            </a:r>
+            <a:r>
+              <a:rPr lang="ru-RU" b="1" dirty="0"/>
+              <a:t> </a:t>
+            </a:r>
+            <a:r>
+              <a:rPr lang="ru-RU" b="1" dirty="0" err="1"/>
+              <a:t>можна</a:t>
+            </a:r>
+            <a:r>
+              <a:rPr lang="ru-RU" b="1" dirty="0"/>
+              <a:t> </a:t>
+            </a:r>
+            <a:r>
+              <a:rPr lang="ru-RU" b="1" dirty="0" err="1"/>
+              <a:t>комбінувати</a:t>
+            </a:r>
+            <a:r>
+              <a:rPr lang="ru-RU" b="1" dirty="0"/>
+              <a:t> у будь-</a:t>
+            </a:r>
+            <a:r>
+              <a:rPr lang="ru-RU" b="1" dirty="0" err="1"/>
+              <a:t>якому</a:t>
+            </a:r>
+            <a:r>
+              <a:rPr lang="ru-RU" b="1" dirty="0"/>
+              <a:t> </a:t>
+            </a:r>
+            <a:r>
+              <a:rPr lang="ru-RU" b="1" dirty="0" smtClean="0"/>
+              <a:t>порядку.</a:t>
+            </a:r>
+            <a:endParaRPr lang="ru-RU" dirty="0" smtClean="0"/>
+          </a:p>
+          <a:p>
+            <a:r>
+              <a:rPr lang="ru-RU" b="1" dirty="0" smtClean="0"/>
+              <a:t>Коли </a:t>
+            </a:r>
+            <a:r>
+              <a:rPr lang="ru-RU" b="1" dirty="0"/>
+              <a:t>не </a:t>
+            </a:r>
+            <a:r>
+              <a:rPr lang="ru-RU" b="1" dirty="0" err="1"/>
+              <a:t>можна</a:t>
+            </a:r>
+            <a:r>
+              <a:rPr lang="ru-RU" b="1" dirty="0"/>
+              <a:t> (</a:t>
+            </a:r>
+            <a:r>
+              <a:rPr lang="ru-RU" b="1" dirty="0" err="1"/>
+              <a:t>або</a:t>
+            </a:r>
+            <a:r>
+              <a:rPr lang="ru-RU" b="1" dirty="0"/>
+              <a:t> не </a:t>
+            </a:r>
+            <a:r>
+              <a:rPr lang="ru-RU" b="1" dirty="0" err="1"/>
+              <a:t>хочеться</a:t>
+            </a:r>
+            <a:r>
+              <a:rPr lang="ru-RU" b="1" dirty="0"/>
+              <a:t>) </a:t>
+            </a:r>
+            <a:r>
+              <a:rPr lang="ru-RU" b="1" dirty="0" err="1"/>
+              <a:t>використовувати</a:t>
+            </a:r>
+            <a:r>
+              <a:rPr lang="ru-RU" b="1" dirty="0"/>
+              <a:t> </a:t>
+            </a:r>
+            <a:r>
+              <a:rPr lang="ru-RU" b="1" dirty="0" err="1"/>
+              <a:t>спадкування</a:t>
+            </a:r>
+            <a:r>
+              <a:rPr lang="ru-RU" b="1" dirty="0"/>
+              <a:t> для </a:t>
+            </a:r>
+            <a:r>
+              <a:rPr lang="ru-RU" b="1" dirty="0" err="1"/>
+              <a:t>додавання</a:t>
+            </a:r>
+            <a:r>
+              <a:rPr lang="ru-RU" b="1" dirty="0"/>
+              <a:t> </a:t>
+            </a:r>
+            <a:r>
+              <a:rPr lang="ru-RU" b="1" dirty="0" err="1"/>
+              <a:t>поведінки</a:t>
+            </a:r>
+            <a:r>
+              <a:rPr lang="ru-RU" b="1" dirty="0"/>
+              <a:t>.</a:t>
+            </a:r>
+            <a:endParaRPr lang="ru-RU" dirty="0"/>
+          </a:p>
+          <a:p>
+            <a:pPr marL="186262" indent="0">
+              <a:buNone/>
+            </a:pPr>
+            <a:endParaRPr lang="ru-RU" dirty="0"/>
+          </a:p>
+        </p:txBody>
+      </p:sp>
+      <p:sp>
+        <p:nvSpPr>
+          <p:cNvPr id="6" name="AutoShape 4" descr="Adiós John Vlissides | La Naturaleza del Software"/>
+          <p:cNvSpPr>
+            <a:spLocks noChangeAspect="1" noChangeArrowheads="1"/>
+          </p:cNvSpPr>
+          <p:nvPr/>
+        </p:nvSpPr>
+        <p:spPr bwMode="auto">
+          <a:xfrm>
+            <a:off x="155575" y="-144463"/>
+            <a:ext cx="304800" cy="304801"/>
+          </a:xfrm>
+          <a:prstGeom prst="rect">
+            <a:avLst/>
+          </a:prstGeom>
+          <a:noFill/>
+          <a:extLst>
+            <a:ext uri="{909E8E84-426E-40DD-AFC4-6F175D3DCCD1}">
+              <a14:hiddenFill xmlns:a14="http://schemas.microsoft.com/office/drawing/2010/main">
+                <a:solidFill>
+                  <a:srgbClr val="FFFFFF"/>
+                </a:solidFill>
+              </a14:hiddenFill>
+            </a:ext>
+          </a:extLst>
+        </p:spPr>
+        <p:txBody>
+          <a:bodyPr vert="horz" wrap="square" lIns="91440" tIns="45720" rIns="91440" bIns="45720" numCol="1" anchor="t" anchorCtr="0" compatLnSpc="1">
+            <a:prstTxWarp prst="textNoShape">
+              <a:avLst/>
+            </a:prstTxWarp>
+          </a:bodyPr>
+          <a:lstStyle/>
+          <a:p>
+            <a:endParaRPr lang="ru-RU"/>
+          </a:p>
+        </p:txBody>
+      </p:sp>
+      <p:sp>
+        <p:nvSpPr>
+          <p:cNvPr id="7" name="AutoShape 6" descr="Adiós John Vlissides | La Naturaleza del Software"/>
+          <p:cNvSpPr>
+            <a:spLocks noChangeAspect="1" noChangeArrowheads="1"/>
+          </p:cNvSpPr>
+          <p:nvPr/>
+        </p:nvSpPr>
+        <p:spPr bwMode="auto">
+          <a:xfrm>
+            <a:off x="307975" y="7937"/>
+            <a:ext cx="304800" cy="304801"/>
+          </a:xfrm>
+          <a:prstGeom prst="rect">
+            <a:avLst/>
+          </a:prstGeom>
+          <a:noFill/>
+          <a:extLst>
+            <a:ext uri="{909E8E84-426E-40DD-AFC4-6F175D3DCCD1}">
+              <a14:hiddenFill xmlns:a14="http://schemas.microsoft.com/office/drawing/2010/main">
+                <a:solidFill>
+                  <a:srgbClr val="FFFFFF"/>
+                </a:solidFill>
+              </a14:hiddenFill>
+            </a:ext>
+          </a:extLst>
+        </p:spPr>
+        <p:txBody>
+          <a:bodyPr vert="horz" wrap="square" lIns="91440" tIns="45720" rIns="91440" bIns="45720" numCol="1" anchor="t" anchorCtr="0" compatLnSpc="1">
+            <a:prstTxWarp prst="textNoShape">
+              <a:avLst/>
+            </a:prstTxWarp>
+          </a:bodyPr>
+          <a:lstStyle/>
+          <a:p>
+            <a:endParaRPr lang="ru-RU"/>
+          </a:p>
+        </p:txBody>
+      </p:sp>
+      <p:sp>
+        <p:nvSpPr>
+          <p:cNvPr id="8" name="AutoShape 8" descr="https://lnds.net/blog/lnds/2005/11/28/adios-john-vlissides/GOF-OOPSLA-1994_hud4ba4d769b17bed9bedfa43cf34b9c50_53287_8b4ed1cae97cd1c8c0242a5f7000d799.webp"/>
+          <p:cNvSpPr>
+            <a:spLocks noChangeAspect="1" noChangeArrowheads="1"/>
+          </p:cNvSpPr>
+          <p:nvPr/>
+        </p:nvSpPr>
+        <p:spPr bwMode="auto">
+          <a:xfrm>
+            <a:off x="460375" y="160337"/>
+            <a:ext cx="304800" cy="304801"/>
+          </a:xfrm>
+          <a:prstGeom prst="rect">
+            <a:avLst/>
+          </a:prstGeom>
+          <a:noFill/>
+          <a:extLst>
+            <a:ext uri="{909E8E84-426E-40DD-AFC4-6F175D3DCCD1}">
+              <a14:hiddenFill xmlns:a14="http://schemas.microsoft.com/office/drawing/2010/main">
+                <a:solidFill>
+                  <a:srgbClr val="FFFFFF"/>
+                </a:solidFill>
+              </a14:hiddenFill>
+            </a:ext>
+          </a:extLst>
+        </p:spPr>
+        <p:txBody>
+          <a:bodyPr vert="horz" wrap="square" lIns="91440" tIns="45720" rIns="91440" bIns="45720" numCol="1" anchor="t" anchorCtr="0" compatLnSpc="1">
+            <a:prstTxWarp prst="textNoShape">
+              <a:avLst/>
+            </a:prstTxWarp>
+          </a:bodyPr>
+          <a:lstStyle/>
+          <a:p>
+            <a:endParaRPr lang="ru-RU"/>
+          </a:p>
+        </p:txBody>
+      </p:sp>
+      <p:sp>
+        <p:nvSpPr>
+          <p:cNvPr id="9" name="AutoShape 10" descr="https://lnds.net/blog/lnds/2005/11/28/adios-john-vlissides/GOF-OOPSLA-1994_hud4ba4d769b17bed9bedfa43cf34b9c50_53287_8b4ed1cae97cd1c8c0242a5f7000d799.webp"/>
+          <p:cNvSpPr>
+            <a:spLocks noChangeAspect="1" noChangeArrowheads="1"/>
+          </p:cNvSpPr>
+          <p:nvPr/>
+        </p:nvSpPr>
+        <p:spPr bwMode="auto">
+          <a:xfrm>
+            <a:off x="612775" y="312737"/>
+            <a:ext cx="304800" cy="304801"/>
+          </a:xfrm>
+          <a:prstGeom prst="rect">
+            <a:avLst/>
+          </a:prstGeom>
+          <a:noFill/>
+          <a:extLst>
+            <a:ext uri="{909E8E84-426E-40DD-AFC4-6F175D3DCCD1}">
+              <a14:hiddenFill xmlns:a14="http://schemas.microsoft.com/office/drawing/2010/main">
+                <a:solidFill>
+                  <a:srgbClr val="FFFFFF"/>
+                </a:solidFill>
+              </a14:hiddenFill>
+            </a:ext>
+          </a:extLst>
+        </p:spPr>
+        <p:txBody>
+          <a:bodyPr vert="horz" wrap="square" lIns="91440" tIns="45720" rIns="91440" bIns="45720" numCol="1" anchor="t" anchorCtr="0" compatLnSpc="1">
+            <a:prstTxWarp prst="textNoShape">
+              <a:avLst/>
+            </a:prstTxWarp>
+          </a:bodyPr>
+          <a:lstStyle/>
+          <a:p>
+            <a:endParaRPr lang="ru-RU"/>
+          </a:p>
+        </p:txBody>
+      </p:sp>
+      <p:pic>
+        <p:nvPicPr>
+          <p:cNvPr id="8194" name="Picture 2"/>
+          <p:cNvPicPr>
+            <a:picLocks noChangeAspect="1" noChangeArrowheads="1"/>
+          </p:cNvPicPr>
+          <p:nvPr/>
+        </p:nvPicPr>
+        <p:blipFill>
+          <a:blip r:embed="rId2">
+            <a:extLst>
+              <a:ext uri="{28A0092B-C50C-407E-A947-70E740481C1C}">
+                <a14:useLocalDpi xmlns:a14="http://schemas.microsoft.com/office/drawing/2010/main" val="0"/>
+              </a:ext>
+            </a:extLst>
+          </a:blip>
+          <a:srcRect/>
+          <a:stretch>
+            <a:fillRect/>
+          </a:stretch>
+        </p:blipFill>
+        <p:spPr bwMode="auto">
+          <a:xfrm>
+            <a:off x="8020308" y="664590"/>
+            <a:ext cx="3303366" cy="5808057"/>
+          </a:xfrm>
+          <a:prstGeom prst="rect">
+            <a:avLst/>
+          </a:prstGeom>
+          <a:noFill/>
+          <a:ln>
+            <a:noFill/>
+          </a:ln>
+          <a:effectLst/>
+          <a:extLst>
+            <a:ext uri="{909E8E84-426E-40DD-AFC4-6F175D3DCCD1}">
+              <a14:hiddenFill xmlns:a14="http://schemas.microsoft.com/office/drawing/2010/main">
+                <a:solidFill>
+                  <a:schemeClr val="accent1"/>
+                </a:solidFill>
+              </a14:hiddenFill>
+            </a:ext>
+            <a:ext uri="{91240B29-F687-4F45-9708-019B960494DF}">
+              <a14:hiddenLine xmlns:a14="http://schemas.microsoft.com/office/drawing/2010/main" w="9525">
                 <a:solidFill>
                   <a:schemeClr val="tx1"/>
                 </a:solidFill>
-              </a:rPr>
-              <a:t>патерни</a:t>
-            </a:r>
-            <a:r>
-              <a:rPr lang="uk-UA" dirty="0" smtClean="0">
+                <a:miter lim="800000"/>
+                <a:headEnd/>
+                <a:tailEnd/>
+              </a14:hiddenLine>
+            </a:ext>
+            <a:ext uri="{AF507438-7753-43E0-B8FC-AC1667EBCBE1}">
+              <a14:hiddenEffects xmlns:a14="http://schemas.microsoft.com/office/drawing/2010/main">
+                <a:effectLst>
+                  <a:outerShdw dist="35921" dir="2700000" algn="ctr" rotWithShape="0">
+                    <a:schemeClr val="bg2"/>
+                  </a:outerShdw>
+                </a:effectLst>
+              </a14:hiddenEffects>
+            </a:ext>
+          </a:extLst>
+        </p:spPr>
+      </p:pic>
+    </p:spTree>
+    <p:extLst>
+      <p:ext uri="{BB962C8B-B14F-4D97-AF65-F5344CB8AC3E}">
+        <p14:creationId xmlns:p14="http://schemas.microsoft.com/office/powerpoint/2010/main" val="393702167"/>
+      </p:ext>
+    </p:extLst>
+  </p:cSld>
+  <p:clrMapOvr>
+    <a:masterClrMapping/>
+  </p:clrMapOvr>
+</p:sld>
+</file>
+
+<file path=ppt/slides/slide16.xml><?xml version="1.0" encoding="utf-8"?>
+<p:sld xmlns:a="http://schemas.openxmlformats.org/drawingml/2006/main" xmlns:r="http://schemas.openxmlformats.org/officeDocument/2006/relationships" xmlns:p="http://schemas.openxmlformats.org/presentationml/2006/main">
+  <p:cSld>
+    <p:spTree>
+      <p:nvGrpSpPr>
+        <p:cNvPr id="1" name=""/>
+        <p:cNvGrpSpPr/>
+        <p:nvPr/>
+      </p:nvGrpSpPr>
+      <p:grpSpPr>
+        <a:xfrm>
+          <a:off x="0" y="0"/>
+          <a:ext cx="0" cy="0"/>
+          <a:chOff x="0" y="0"/>
+          <a:chExt cx="0" cy="0"/>
+        </a:xfrm>
+      </p:grpSpPr>
+      <p:sp>
+        <p:nvSpPr>
+          <p:cNvPr id="2" name="Заголовок 1"/>
+          <p:cNvSpPr>
+            <a:spLocks noGrp="1"/>
+          </p:cNvSpPr>
+          <p:nvPr>
+            <p:ph type="title"/>
+          </p:nvPr>
+        </p:nvSpPr>
+        <p:spPr/>
+        <p:txBody>
+          <a:bodyPr/>
+          <a:lstStyle/>
+          <a:p>
+            <a:r>
+              <a:rPr lang="ru-RU" b="1" dirty="0"/>
+              <a:t>Фасад (</a:t>
+            </a:r>
+            <a:r>
+              <a:rPr lang="en-US" b="1" dirty="0"/>
+              <a:t>Facade)</a:t>
+            </a:r>
+            <a:endParaRPr lang="ru-RU" b="1" dirty="0"/>
+          </a:p>
+        </p:txBody>
+      </p:sp>
+      <p:sp>
+        <p:nvSpPr>
+          <p:cNvPr id="3" name="Текст 2"/>
+          <p:cNvSpPr>
+            <a:spLocks noGrp="1"/>
+          </p:cNvSpPr>
+          <p:nvPr>
+            <p:ph type="body" idx="1"/>
+          </p:nvPr>
+        </p:nvSpPr>
+        <p:spPr>
+          <a:xfrm>
+            <a:off x="415600" y="1536633"/>
+            <a:ext cx="6665684" cy="4800372"/>
+          </a:xfrm>
+        </p:spPr>
+        <p:txBody>
+          <a:bodyPr>
+            <a:normAutofit/>
+          </a:bodyPr>
+          <a:lstStyle/>
+          <a:p>
+            <a:pPr marL="186262" indent="0">
+              <a:buNone/>
+            </a:pPr>
+            <a:r>
+              <a:rPr lang="ru-RU" b="1" dirty="0" smtClean="0"/>
+              <a:t>Фасад </a:t>
+            </a:r>
+            <a:r>
+              <a:rPr lang="ru-RU" b="1" dirty="0"/>
+              <a:t>(</a:t>
+            </a:r>
+            <a:r>
+              <a:rPr lang="en-US" b="1" dirty="0"/>
+              <a:t>Facade)</a:t>
+            </a:r>
+            <a:r>
+              <a:rPr lang="en-US" dirty="0"/>
+              <a:t> — </a:t>
+            </a:r>
+            <a:r>
+              <a:rPr lang="ru-RU" dirty="0" err="1"/>
+              <a:t>це</a:t>
+            </a:r>
+            <a:r>
+              <a:rPr lang="ru-RU" dirty="0"/>
+              <a:t> </a:t>
+            </a:r>
+            <a:r>
+              <a:rPr lang="ru-RU" b="1" dirty="0" err="1"/>
+              <a:t>структурний</a:t>
+            </a:r>
+            <a:r>
+              <a:rPr lang="ru-RU" b="1" dirty="0"/>
+              <a:t> </a:t>
+            </a:r>
+            <a:r>
+              <a:rPr lang="ru-RU" b="1" dirty="0" err="1"/>
+              <a:t>патерн</a:t>
+            </a:r>
+            <a:r>
+              <a:rPr lang="ru-RU" dirty="0"/>
+              <a:t>, </a:t>
+            </a:r>
+            <a:r>
+              <a:rPr lang="ru-RU" dirty="0" err="1"/>
+              <a:t>який</a:t>
+            </a:r>
+            <a:r>
+              <a:rPr lang="ru-RU" dirty="0"/>
+              <a:t> </a:t>
+            </a:r>
+            <a:r>
+              <a:rPr lang="ru-RU" dirty="0" err="1"/>
+              <a:t>надає</a:t>
+            </a:r>
+            <a:r>
+              <a:rPr lang="ru-RU" dirty="0"/>
+              <a:t> </a:t>
+            </a:r>
+            <a:r>
+              <a:rPr lang="ru-RU" b="1" dirty="0" err="1"/>
+              <a:t>спрощений</a:t>
+            </a:r>
+            <a:r>
+              <a:rPr lang="ru-RU" b="1" dirty="0"/>
+              <a:t> </a:t>
+            </a:r>
+            <a:r>
+              <a:rPr lang="ru-RU" b="1" dirty="0" err="1"/>
+              <a:t>інтерфейс</a:t>
+            </a:r>
+            <a:r>
+              <a:rPr lang="ru-RU" dirty="0"/>
+              <a:t> до </a:t>
+            </a:r>
+            <a:r>
+              <a:rPr lang="ru-RU" dirty="0" err="1"/>
+              <a:t>складної</a:t>
+            </a:r>
+            <a:r>
+              <a:rPr lang="ru-RU" dirty="0"/>
+              <a:t> </a:t>
+            </a:r>
+            <a:r>
+              <a:rPr lang="ru-RU" dirty="0" err="1"/>
+              <a:t>системи</a:t>
+            </a:r>
+            <a:r>
+              <a:rPr lang="ru-RU" dirty="0"/>
+              <a:t> </a:t>
+            </a:r>
+            <a:r>
+              <a:rPr lang="ru-RU" dirty="0" err="1"/>
+              <a:t>об'єктів</a:t>
+            </a:r>
+            <a:r>
+              <a:rPr lang="ru-RU" dirty="0"/>
+              <a:t>, </a:t>
+            </a:r>
+            <a:r>
+              <a:rPr lang="ru-RU" dirty="0" err="1"/>
+              <a:t>бібліотеки</a:t>
+            </a:r>
+            <a:r>
+              <a:rPr lang="ru-RU" dirty="0"/>
+              <a:t> </a:t>
+            </a:r>
+            <a:r>
+              <a:rPr lang="ru-RU" dirty="0" err="1"/>
+              <a:t>або</a:t>
+            </a:r>
+            <a:r>
+              <a:rPr lang="ru-RU" dirty="0"/>
+              <a:t> </a:t>
+            </a:r>
+            <a:r>
+              <a:rPr lang="ru-RU" dirty="0" err="1"/>
+              <a:t>фреймворку</a:t>
+            </a:r>
+            <a:r>
+              <a:rPr lang="ru-RU" dirty="0"/>
+              <a:t>.</a:t>
+            </a:r>
+          </a:p>
+          <a:p>
+            <a:pPr marL="186262" indent="0">
+              <a:buNone/>
+            </a:pPr>
+            <a:r>
+              <a:rPr lang="ru-RU" b="1" dirty="0" smtClean="0"/>
+              <a:t>Коли </a:t>
+            </a:r>
+            <a:r>
+              <a:rPr lang="ru-RU" b="1" dirty="0" err="1"/>
+              <a:t>використовувати</a:t>
+            </a:r>
+            <a:r>
+              <a:rPr lang="ru-RU" b="1" dirty="0"/>
+              <a:t> </a:t>
+            </a:r>
+            <a:r>
+              <a:rPr lang="ru-RU" b="1" dirty="0" err="1"/>
+              <a:t>патерн</a:t>
+            </a:r>
+            <a:r>
+              <a:rPr lang="ru-RU" b="1" dirty="0"/>
+              <a:t> Фасад?</a:t>
+            </a:r>
+          </a:p>
+          <a:p>
+            <a:r>
+              <a:rPr lang="ru-RU" b="1" dirty="0" smtClean="0"/>
+              <a:t>Коли </a:t>
+            </a:r>
+            <a:r>
+              <a:rPr lang="ru-RU" b="1" dirty="0"/>
+              <a:t>система </a:t>
+            </a:r>
+            <a:r>
+              <a:rPr lang="ru-RU" b="1" dirty="0" err="1"/>
+              <a:t>занадто</a:t>
+            </a:r>
+            <a:r>
+              <a:rPr lang="ru-RU" b="1" dirty="0"/>
+              <a:t> складна для прямого </a:t>
+            </a:r>
+            <a:r>
+              <a:rPr lang="ru-RU" b="1" dirty="0" err="1"/>
+              <a:t>використання</a:t>
+            </a:r>
+            <a:r>
+              <a:rPr lang="ru-RU" b="1" dirty="0"/>
+              <a:t> (</a:t>
+            </a:r>
+            <a:r>
+              <a:rPr lang="ru-RU" b="1" dirty="0" err="1"/>
+              <a:t>багато</a:t>
+            </a:r>
+            <a:r>
+              <a:rPr lang="ru-RU" b="1" dirty="0"/>
+              <a:t> </a:t>
+            </a:r>
+            <a:r>
+              <a:rPr lang="ru-RU" b="1" dirty="0" err="1"/>
+              <a:t>взаємозалежних</a:t>
+            </a:r>
+            <a:r>
+              <a:rPr lang="ru-RU" b="1" dirty="0"/>
+              <a:t> </a:t>
+            </a:r>
+            <a:r>
+              <a:rPr lang="ru-RU" b="1" dirty="0" err="1"/>
+              <a:t>класів</a:t>
+            </a:r>
+            <a:r>
+              <a:rPr lang="ru-RU" b="1" dirty="0" smtClean="0"/>
+              <a:t>).</a:t>
+            </a:r>
+            <a:endParaRPr lang="ru-RU" dirty="0" smtClean="0"/>
+          </a:p>
+          <a:p>
+            <a:r>
+              <a:rPr lang="ru-RU" b="1" dirty="0" smtClean="0"/>
+              <a:t>Коли </a:t>
+            </a:r>
+            <a:r>
+              <a:rPr lang="ru-RU" b="1" dirty="0" err="1"/>
+              <a:t>потрібно</a:t>
+            </a:r>
+            <a:r>
+              <a:rPr lang="ru-RU" b="1" dirty="0"/>
+              <a:t> </a:t>
+            </a:r>
+            <a:r>
+              <a:rPr lang="ru-RU" b="1" dirty="0" err="1"/>
+              <a:t>приховати</a:t>
+            </a:r>
+            <a:r>
+              <a:rPr lang="ru-RU" b="1" dirty="0"/>
+              <a:t> </a:t>
+            </a:r>
+            <a:r>
+              <a:rPr lang="ru-RU" b="1" dirty="0" err="1"/>
+              <a:t>складні</a:t>
+            </a:r>
+            <a:r>
+              <a:rPr lang="ru-RU" b="1" dirty="0"/>
+              <a:t> </a:t>
+            </a:r>
+            <a:r>
+              <a:rPr lang="en-US" b="1" dirty="0"/>
+              <a:t>API </a:t>
+            </a:r>
+            <a:r>
+              <a:rPr lang="ru-RU" b="1" dirty="0" err="1"/>
+              <a:t>бібліотек</a:t>
+            </a:r>
+            <a:r>
+              <a:rPr lang="ru-RU" b="1" dirty="0"/>
+              <a:t> </a:t>
+            </a:r>
+            <a:r>
+              <a:rPr lang="ru-RU" b="1" dirty="0" err="1"/>
+              <a:t>або</a:t>
+            </a:r>
+            <a:r>
+              <a:rPr lang="ru-RU" b="1" dirty="0"/>
+              <a:t> </a:t>
+            </a:r>
+            <a:r>
+              <a:rPr lang="ru-RU" b="1" dirty="0" err="1" smtClean="0"/>
+              <a:t>фреймворків</a:t>
+            </a:r>
+            <a:r>
+              <a:rPr lang="ru-RU" b="1" dirty="0" smtClean="0"/>
+              <a:t>.</a:t>
+            </a:r>
+            <a:endParaRPr lang="ru-RU" dirty="0" smtClean="0"/>
+          </a:p>
+          <a:p>
+            <a:r>
+              <a:rPr lang="ru-RU" b="1" dirty="0" smtClean="0"/>
+              <a:t>Коли </a:t>
+            </a:r>
+            <a:r>
+              <a:rPr lang="ru-RU" b="1" dirty="0" err="1"/>
+              <a:t>необхідно</a:t>
+            </a:r>
+            <a:r>
+              <a:rPr lang="ru-RU" b="1" dirty="0"/>
+              <a:t> </a:t>
+            </a:r>
+            <a:r>
+              <a:rPr lang="ru-RU" b="1" dirty="0" err="1"/>
+              <a:t>створити</a:t>
+            </a:r>
+            <a:r>
+              <a:rPr lang="ru-RU" b="1" dirty="0"/>
+              <a:t> </a:t>
+            </a:r>
+            <a:r>
+              <a:rPr lang="ru-RU" b="1" dirty="0" err="1"/>
+              <a:t>єдину</a:t>
+            </a:r>
+            <a:r>
+              <a:rPr lang="ru-RU" b="1" dirty="0"/>
+              <a:t> точку входу для </a:t>
+            </a:r>
+            <a:r>
+              <a:rPr lang="ru-RU" b="1" dirty="0" err="1"/>
+              <a:t>роботи</a:t>
+            </a:r>
+            <a:r>
+              <a:rPr lang="ru-RU" b="1" dirty="0"/>
+              <a:t> з </a:t>
+            </a:r>
+            <a:r>
+              <a:rPr lang="ru-RU" b="1" dirty="0" err="1"/>
+              <a:t>підсистемою</a:t>
+            </a:r>
+            <a:r>
+              <a:rPr lang="ru-RU" b="1" dirty="0"/>
+              <a:t>.</a:t>
+            </a:r>
+            <a:endParaRPr lang="ru-RU" dirty="0"/>
+          </a:p>
+          <a:p>
+            <a:pPr marL="186262" indent="0">
+              <a:buNone/>
+            </a:pPr>
+            <a:endParaRPr lang="ru-RU" dirty="0"/>
+          </a:p>
+        </p:txBody>
+      </p:sp>
+      <p:sp>
+        <p:nvSpPr>
+          <p:cNvPr id="6" name="AutoShape 4" descr="Adiós John Vlissides | La Naturaleza del Software"/>
+          <p:cNvSpPr>
+            <a:spLocks noChangeAspect="1" noChangeArrowheads="1"/>
+          </p:cNvSpPr>
+          <p:nvPr/>
+        </p:nvSpPr>
+        <p:spPr bwMode="auto">
+          <a:xfrm>
+            <a:off x="155575" y="-144463"/>
+            <a:ext cx="304800" cy="304801"/>
+          </a:xfrm>
+          <a:prstGeom prst="rect">
+            <a:avLst/>
+          </a:prstGeom>
+          <a:noFill/>
+          <a:extLst>
+            <a:ext uri="{909E8E84-426E-40DD-AFC4-6F175D3DCCD1}">
+              <a14:hiddenFill xmlns:a14="http://schemas.microsoft.com/office/drawing/2010/main">
+                <a:solidFill>
+                  <a:srgbClr val="FFFFFF"/>
+                </a:solidFill>
+              </a14:hiddenFill>
+            </a:ext>
+          </a:extLst>
+        </p:spPr>
+        <p:txBody>
+          <a:bodyPr vert="horz" wrap="square" lIns="91440" tIns="45720" rIns="91440" bIns="45720" numCol="1" anchor="t" anchorCtr="0" compatLnSpc="1">
+            <a:prstTxWarp prst="textNoShape">
+              <a:avLst/>
+            </a:prstTxWarp>
+          </a:bodyPr>
+          <a:lstStyle/>
+          <a:p>
+            <a:endParaRPr lang="ru-RU"/>
+          </a:p>
+        </p:txBody>
+      </p:sp>
+      <p:sp>
+        <p:nvSpPr>
+          <p:cNvPr id="7" name="AutoShape 6" descr="Adiós John Vlissides | La Naturaleza del Software"/>
+          <p:cNvSpPr>
+            <a:spLocks noChangeAspect="1" noChangeArrowheads="1"/>
+          </p:cNvSpPr>
+          <p:nvPr/>
+        </p:nvSpPr>
+        <p:spPr bwMode="auto">
+          <a:xfrm>
+            <a:off x="307975" y="7937"/>
+            <a:ext cx="304800" cy="304801"/>
+          </a:xfrm>
+          <a:prstGeom prst="rect">
+            <a:avLst/>
+          </a:prstGeom>
+          <a:noFill/>
+          <a:extLst>
+            <a:ext uri="{909E8E84-426E-40DD-AFC4-6F175D3DCCD1}">
+              <a14:hiddenFill xmlns:a14="http://schemas.microsoft.com/office/drawing/2010/main">
+                <a:solidFill>
+                  <a:srgbClr val="FFFFFF"/>
+                </a:solidFill>
+              </a14:hiddenFill>
+            </a:ext>
+          </a:extLst>
+        </p:spPr>
+        <p:txBody>
+          <a:bodyPr vert="horz" wrap="square" lIns="91440" tIns="45720" rIns="91440" bIns="45720" numCol="1" anchor="t" anchorCtr="0" compatLnSpc="1">
+            <a:prstTxWarp prst="textNoShape">
+              <a:avLst/>
+            </a:prstTxWarp>
+          </a:bodyPr>
+          <a:lstStyle/>
+          <a:p>
+            <a:endParaRPr lang="ru-RU"/>
+          </a:p>
+        </p:txBody>
+      </p:sp>
+      <p:sp>
+        <p:nvSpPr>
+          <p:cNvPr id="8" name="AutoShape 8" descr="https://lnds.net/blog/lnds/2005/11/28/adios-john-vlissides/GOF-OOPSLA-1994_hud4ba4d769b17bed9bedfa43cf34b9c50_53287_8b4ed1cae97cd1c8c0242a5f7000d799.webp"/>
+          <p:cNvSpPr>
+            <a:spLocks noChangeAspect="1" noChangeArrowheads="1"/>
+          </p:cNvSpPr>
+          <p:nvPr/>
+        </p:nvSpPr>
+        <p:spPr bwMode="auto">
+          <a:xfrm>
+            <a:off x="460375" y="160337"/>
+            <a:ext cx="304800" cy="304801"/>
+          </a:xfrm>
+          <a:prstGeom prst="rect">
+            <a:avLst/>
+          </a:prstGeom>
+          <a:noFill/>
+          <a:extLst>
+            <a:ext uri="{909E8E84-426E-40DD-AFC4-6F175D3DCCD1}">
+              <a14:hiddenFill xmlns:a14="http://schemas.microsoft.com/office/drawing/2010/main">
+                <a:solidFill>
+                  <a:srgbClr val="FFFFFF"/>
+                </a:solidFill>
+              </a14:hiddenFill>
+            </a:ext>
+          </a:extLst>
+        </p:spPr>
+        <p:txBody>
+          <a:bodyPr vert="horz" wrap="square" lIns="91440" tIns="45720" rIns="91440" bIns="45720" numCol="1" anchor="t" anchorCtr="0" compatLnSpc="1">
+            <a:prstTxWarp prst="textNoShape">
+              <a:avLst/>
+            </a:prstTxWarp>
+          </a:bodyPr>
+          <a:lstStyle/>
+          <a:p>
+            <a:endParaRPr lang="ru-RU"/>
+          </a:p>
+        </p:txBody>
+      </p:sp>
+      <p:sp>
+        <p:nvSpPr>
+          <p:cNvPr id="9" name="AutoShape 10" descr="https://lnds.net/blog/lnds/2005/11/28/adios-john-vlissides/GOF-OOPSLA-1994_hud4ba4d769b17bed9bedfa43cf34b9c50_53287_8b4ed1cae97cd1c8c0242a5f7000d799.webp"/>
+          <p:cNvSpPr>
+            <a:spLocks noChangeAspect="1" noChangeArrowheads="1"/>
+          </p:cNvSpPr>
+          <p:nvPr/>
+        </p:nvSpPr>
+        <p:spPr bwMode="auto">
+          <a:xfrm>
+            <a:off x="612775" y="312737"/>
+            <a:ext cx="304800" cy="304801"/>
+          </a:xfrm>
+          <a:prstGeom prst="rect">
+            <a:avLst/>
+          </a:prstGeom>
+          <a:noFill/>
+          <a:extLst>
+            <a:ext uri="{909E8E84-426E-40DD-AFC4-6F175D3DCCD1}">
+              <a14:hiddenFill xmlns:a14="http://schemas.microsoft.com/office/drawing/2010/main">
+                <a:solidFill>
+                  <a:srgbClr val="FFFFFF"/>
+                </a:solidFill>
+              </a14:hiddenFill>
+            </a:ext>
+          </a:extLst>
+        </p:spPr>
+        <p:txBody>
+          <a:bodyPr vert="horz" wrap="square" lIns="91440" tIns="45720" rIns="91440" bIns="45720" numCol="1" anchor="t" anchorCtr="0" compatLnSpc="1">
+            <a:prstTxWarp prst="textNoShape">
+              <a:avLst/>
+            </a:prstTxWarp>
+          </a:bodyPr>
+          <a:lstStyle/>
+          <a:p>
+            <a:endParaRPr lang="ru-RU"/>
+          </a:p>
+        </p:txBody>
+      </p:sp>
+      <p:pic>
+        <p:nvPicPr>
+          <p:cNvPr id="9218" name="Picture 2"/>
+          <p:cNvPicPr>
+            <a:picLocks noChangeAspect="1" noChangeArrowheads="1"/>
+          </p:cNvPicPr>
+          <p:nvPr/>
+        </p:nvPicPr>
+        <p:blipFill>
+          <a:blip r:embed="rId2">
+            <a:extLst>
+              <a:ext uri="{28A0092B-C50C-407E-A947-70E740481C1C}">
+                <a14:useLocalDpi xmlns:a14="http://schemas.microsoft.com/office/drawing/2010/main" val="0"/>
+              </a:ext>
+            </a:extLst>
+          </a:blip>
+          <a:srcRect/>
+          <a:stretch>
+            <a:fillRect/>
+          </a:stretch>
+        </p:blipFill>
+        <p:spPr bwMode="auto">
+          <a:xfrm>
+            <a:off x="7544981" y="1464679"/>
+            <a:ext cx="3906284" cy="3944267"/>
+          </a:xfrm>
+          <a:prstGeom prst="rect">
+            <a:avLst/>
+          </a:prstGeom>
+          <a:noFill/>
+          <a:ln>
+            <a:noFill/>
+          </a:ln>
+          <a:effectLst/>
+          <a:extLst>
+            <a:ext uri="{909E8E84-426E-40DD-AFC4-6F175D3DCCD1}">
+              <a14:hiddenFill xmlns:a14="http://schemas.microsoft.com/office/drawing/2010/main">
+                <a:solidFill>
+                  <a:schemeClr val="accent1"/>
+                </a:solidFill>
+              </a14:hiddenFill>
+            </a:ext>
+            <a:ext uri="{91240B29-F687-4F45-9708-019B960494DF}">
+              <a14:hiddenLine xmlns:a14="http://schemas.microsoft.com/office/drawing/2010/main" w="9525">
                 <a:solidFill>
                   <a:schemeClr val="tx1"/>
                 </a:solidFill>
-              </a:rPr>
-              <a:t> </a:t>
-            </a:r>
-            <a:r>
-              <a:rPr lang="en-US" dirty="0" smtClean="0">
+                <a:miter lim="800000"/>
+                <a:headEnd/>
+                <a:tailEnd/>
+              </a14:hiddenLine>
+            </a:ext>
+            <a:ext uri="{AF507438-7753-43E0-B8FC-AC1667EBCBE1}">
+              <a14:hiddenEffects xmlns:a14="http://schemas.microsoft.com/office/drawing/2010/main">
+                <a:effectLst>
+                  <a:outerShdw dist="35921" dir="2700000" algn="ctr" rotWithShape="0">
+                    <a:schemeClr val="bg2"/>
+                  </a:outerShdw>
+                </a:effectLst>
+              </a14:hiddenEffects>
+            </a:ext>
+          </a:extLst>
+        </p:spPr>
+      </p:pic>
+    </p:spTree>
+    <p:extLst>
+      <p:ext uri="{BB962C8B-B14F-4D97-AF65-F5344CB8AC3E}">
+        <p14:creationId xmlns:p14="http://schemas.microsoft.com/office/powerpoint/2010/main" val="1459260076"/>
+      </p:ext>
+    </p:extLst>
+  </p:cSld>
+  <p:clrMapOvr>
+    <a:masterClrMapping/>
+  </p:clrMapOvr>
+</p:sld>
+</file>
+
+<file path=ppt/slides/slide17.xml><?xml version="1.0" encoding="utf-8"?>
+<p:sld xmlns:a="http://schemas.openxmlformats.org/drawingml/2006/main" xmlns:r="http://schemas.openxmlformats.org/officeDocument/2006/relationships" xmlns:p="http://schemas.openxmlformats.org/presentationml/2006/main">
+  <p:cSld>
+    <p:spTree>
+      <p:nvGrpSpPr>
+        <p:cNvPr id="1" name=""/>
+        <p:cNvGrpSpPr/>
+        <p:nvPr/>
+      </p:nvGrpSpPr>
+      <p:grpSpPr>
+        <a:xfrm>
+          <a:off x="0" y="0"/>
+          <a:ext cx="0" cy="0"/>
+          <a:chOff x="0" y="0"/>
+          <a:chExt cx="0" cy="0"/>
+        </a:xfrm>
+      </p:grpSpPr>
+      <p:sp>
+        <p:nvSpPr>
+          <p:cNvPr id="2" name="Заголовок 1"/>
+          <p:cNvSpPr>
+            <a:spLocks noGrp="1"/>
+          </p:cNvSpPr>
+          <p:nvPr>
+            <p:ph type="title"/>
+          </p:nvPr>
+        </p:nvSpPr>
+        <p:spPr/>
+        <p:txBody>
+          <a:bodyPr/>
+          <a:lstStyle/>
+          <a:p>
+            <a:r>
+              <a:rPr lang="ru-RU" b="1" dirty="0" err="1"/>
+              <a:t>Легковаговик</a:t>
+            </a:r>
+            <a:r>
+              <a:rPr lang="ru-RU" b="1" dirty="0"/>
+              <a:t> (</a:t>
+            </a:r>
+            <a:r>
+              <a:rPr lang="en-US" b="1" dirty="0"/>
+              <a:t>Flyweight)</a:t>
+            </a:r>
+            <a:endParaRPr lang="ru-RU" b="1" dirty="0"/>
+          </a:p>
+        </p:txBody>
+      </p:sp>
+      <p:sp>
+        <p:nvSpPr>
+          <p:cNvPr id="3" name="Текст 2"/>
+          <p:cNvSpPr>
+            <a:spLocks noGrp="1"/>
+          </p:cNvSpPr>
+          <p:nvPr>
+            <p:ph type="body" idx="1"/>
+          </p:nvPr>
+        </p:nvSpPr>
+        <p:spPr>
+          <a:xfrm>
+            <a:off x="415600" y="1536633"/>
+            <a:ext cx="6665684" cy="4800372"/>
+          </a:xfrm>
+        </p:spPr>
+        <p:txBody>
+          <a:bodyPr>
+            <a:normAutofit/>
+          </a:bodyPr>
+          <a:lstStyle/>
+          <a:p>
+            <a:pPr marL="186262" indent="0">
+              <a:buNone/>
+            </a:pPr>
+            <a:r>
+              <a:rPr lang="ru-RU" b="1" dirty="0" err="1" smtClean="0"/>
+              <a:t>Легковаговик</a:t>
+            </a:r>
+            <a:r>
+              <a:rPr lang="ru-RU" b="1" dirty="0" smtClean="0"/>
+              <a:t> </a:t>
+            </a:r>
+            <a:r>
+              <a:rPr lang="ru-RU" b="1" dirty="0"/>
+              <a:t>(</a:t>
+            </a:r>
+            <a:r>
+              <a:rPr lang="en-US" b="1" dirty="0"/>
+              <a:t>Flyweight)</a:t>
+            </a:r>
+            <a:r>
+              <a:rPr lang="en-US" dirty="0"/>
+              <a:t> — </a:t>
+            </a:r>
+            <a:r>
+              <a:rPr lang="ru-RU" dirty="0" err="1"/>
+              <a:t>це</a:t>
+            </a:r>
+            <a:r>
+              <a:rPr lang="ru-RU" dirty="0"/>
+              <a:t> </a:t>
+            </a:r>
+            <a:r>
+              <a:rPr lang="ru-RU" b="1" dirty="0" err="1"/>
+              <a:t>структурний</a:t>
+            </a:r>
+            <a:r>
+              <a:rPr lang="ru-RU" b="1" dirty="0"/>
+              <a:t> </a:t>
+            </a:r>
+            <a:r>
+              <a:rPr lang="ru-RU" b="1" dirty="0" err="1"/>
+              <a:t>патерн</a:t>
+            </a:r>
+            <a:r>
+              <a:rPr lang="ru-RU" dirty="0"/>
+              <a:t>, </a:t>
+            </a:r>
+            <a:r>
+              <a:rPr lang="ru-RU" dirty="0" err="1"/>
+              <a:t>який</a:t>
+            </a:r>
+            <a:r>
+              <a:rPr lang="ru-RU" dirty="0"/>
+              <a:t> </a:t>
+            </a:r>
+            <a:r>
+              <a:rPr lang="ru-RU" dirty="0" err="1"/>
+              <a:t>допомагає</a:t>
+            </a:r>
+            <a:r>
+              <a:rPr lang="ru-RU" dirty="0"/>
+              <a:t> </a:t>
+            </a:r>
+            <a:r>
+              <a:rPr lang="ru-RU" b="1" dirty="0" err="1"/>
+              <a:t>зменшити</a:t>
+            </a:r>
+            <a:r>
+              <a:rPr lang="ru-RU" b="1" dirty="0"/>
+              <a:t> </a:t>
+            </a:r>
+            <a:r>
+              <a:rPr lang="ru-RU" b="1" dirty="0" err="1"/>
+              <a:t>використання</a:t>
+            </a:r>
+            <a:r>
+              <a:rPr lang="ru-RU" b="1" dirty="0"/>
+              <a:t> </a:t>
+            </a:r>
+            <a:r>
+              <a:rPr lang="ru-RU" b="1" dirty="0" err="1"/>
+              <a:t>пам’яті</a:t>
+            </a:r>
+            <a:r>
+              <a:rPr lang="ru-RU" dirty="0"/>
+              <a:t>, </a:t>
+            </a:r>
+            <a:r>
+              <a:rPr lang="ru-RU" dirty="0" err="1"/>
+              <a:t>розділяючи</a:t>
+            </a:r>
+            <a:r>
+              <a:rPr lang="ru-RU" dirty="0"/>
+              <a:t> </a:t>
+            </a:r>
+            <a:r>
+              <a:rPr lang="ru-RU" b="1" dirty="0" err="1"/>
+              <a:t>спільний</a:t>
+            </a:r>
+            <a:r>
+              <a:rPr lang="ru-RU" b="1" dirty="0"/>
+              <a:t> стан</a:t>
+            </a:r>
+            <a:r>
+              <a:rPr lang="ru-RU" dirty="0"/>
+              <a:t> </a:t>
+            </a:r>
+            <a:r>
+              <a:rPr lang="ru-RU" dirty="0" err="1"/>
+              <a:t>між</a:t>
+            </a:r>
+            <a:r>
+              <a:rPr lang="ru-RU" dirty="0"/>
+              <a:t> </a:t>
+            </a:r>
+            <a:r>
+              <a:rPr lang="ru-RU" dirty="0" err="1"/>
+              <a:t>багатьма</a:t>
+            </a:r>
+            <a:r>
+              <a:rPr lang="ru-RU" dirty="0"/>
+              <a:t> </a:t>
+            </a:r>
+            <a:r>
+              <a:rPr lang="ru-RU" dirty="0" err="1"/>
+              <a:t>об'єктами</a:t>
+            </a:r>
+            <a:r>
+              <a:rPr lang="ru-RU" dirty="0"/>
+              <a:t>.</a:t>
+            </a:r>
+          </a:p>
+          <a:p>
+            <a:pPr marL="186262" indent="0">
+              <a:buNone/>
+            </a:pPr>
+            <a:r>
+              <a:rPr lang="ru-RU" b="1" dirty="0" smtClean="0"/>
+              <a:t>Коли </a:t>
+            </a:r>
+            <a:r>
+              <a:rPr lang="ru-RU" b="1" dirty="0" err="1"/>
+              <a:t>використовувати</a:t>
+            </a:r>
+            <a:r>
+              <a:rPr lang="ru-RU" b="1" dirty="0"/>
+              <a:t> </a:t>
+            </a:r>
+            <a:r>
+              <a:rPr lang="ru-RU" b="1" dirty="0" err="1"/>
+              <a:t>патерн</a:t>
+            </a:r>
+            <a:r>
+              <a:rPr lang="ru-RU" b="1" dirty="0"/>
+              <a:t> </a:t>
+            </a:r>
+            <a:r>
+              <a:rPr lang="ru-RU" b="1" dirty="0" err="1"/>
+              <a:t>Легковаговик</a:t>
+            </a:r>
+            <a:r>
+              <a:rPr lang="ru-RU" b="1" dirty="0"/>
+              <a:t>?</a:t>
+            </a:r>
+          </a:p>
+          <a:p>
+            <a:r>
+              <a:rPr lang="ru-RU" b="1" dirty="0" err="1" smtClean="0"/>
+              <a:t>Якщо</a:t>
+            </a:r>
+            <a:r>
+              <a:rPr lang="ru-RU" b="1" dirty="0" smtClean="0"/>
+              <a:t> </a:t>
+            </a:r>
+            <a:r>
+              <a:rPr lang="ru-RU" b="1" dirty="0"/>
+              <a:t>у </a:t>
+            </a:r>
+            <a:r>
+              <a:rPr lang="ru-RU" b="1" dirty="0" err="1"/>
+              <a:t>програмі</a:t>
+            </a:r>
+            <a:r>
+              <a:rPr lang="ru-RU" b="1" dirty="0"/>
+              <a:t> </a:t>
+            </a:r>
+            <a:r>
+              <a:rPr lang="ru-RU" b="1" dirty="0" err="1"/>
+              <a:t>створюється</a:t>
+            </a:r>
+            <a:r>
+              <a:rPr lang="ru-RU" b="1" dirty="0"/>
+              <a:t> велика </a:t>
+            </a:r>
+            <a:r>
+              <a:rPr lang="ru-RU" b="1" dirty="0" err="1"/>
+              <a:t>кількість</a:t>
+            </a:r>
+            <a:r>
+              <a:rPr lang="ru-RU" b="1" dirty="0"/>
+              <a:t> </a:t>
+            </a:r>
+            <a:r>
+              <a:rPr lang="ru-RU" b="1" dirty="0" err="1"/>
+              <a:t>об'єктів</a:t>
+            </a:r>
+            <a:r>
+              <a:rPr lang="ru-RU" b="1" dirty="0"/>
+              <a:t> з </a:t>
+            </a:r>
+            <a:r>
+              <a:rPr lang="ru-RU" b="1" dirty="0" err="1"/>
+              <a:t>однаковими</a:t>
+            </a:r>
+            <a:r>
+              <a:rPr lang="ru-RU" b="1" dirty="0"/>
+              <a:t> </a:t>
+            </a:r>
+            <a:r>
+              <a:rPr lang="ru-RU" b="1" dirty="0" err="1"/>
+              <a:t>даними</a:t>
+            </a:r>
+            <a:r>
+              <a:rPr lang="ru-RU" dirty="0"/>
+              <a:t> (</a:t>
+            </a:r>
+            <a:r>
+              <a:rPr lang="ru-RU" dirty="0" err="1"/>
+              <a:t>наприклад</a:t>
+            </a:r>
+            <a:r>
+              <a:rPr lang="ru-RU" dirty="0"/>
+              <a:t>, </a:t>
+            </a:r>
+            <a:r>
+              <a:rPr lang="ru-RU" dirty="0" err="1"/>
+              <a:t>символи</a:t>
+            </a:r>
+            <a:r>
+              <a:rPr lang="ru-RU" dirty="0"/>
+              <a:t> в текстовому </a:t>
+            </a:r>
+            <a:r>
+              <a:rPr lang="ru-RU" dirty="0" err="1"/>
+              <a:t>редакторі</a:t>
+            </a:r>
+            <a:r>
+              <a:rPr lang="ru-RU" dirty="0" smtClean="0"/>
+              <a:t>).</a:t>
+            </a:r>
+          </a:p>
+          <a:p>
+            <a:r>
+              <a:rPr lang="ru-RU" b="1" dirty="0" err="1" smtClean="0"/>
+              <a:t>Якщо</a:t>
+            </a:r>
+            <a:r>
+              <a:rPr lang="ru-RU" b="1" dirty="0" smtClean="0"/>
+              <a:t> </a:t>
+            </a:r>
+            <a:r>
+              <a:rPr lang="ru-RU" b="1" dirty="0" err="1"/>
+              <a:t>потрібно</a:t>
+            </a:r>
+            <a:r>
+              <a:rPr lang="ru-RU" b="1" dirty="0"/>
+              <a:t> </a:t>
+            </a:r>
+            <a:r>
+              <a:rPr lang="ru-RU" b="1" dirty="0" err="1"/>
+              <a:t>оптимізувати</a:t>
+            </a:r>
+            <a:r>
+              <a:rPr lang="ru-RU" b="1" dirty="0"/>
+              <a:t> </a:t>
+            </a:r>
+            <a:r>
+              <a:rPr lang="ru-RU" b="1" dirty="0" err="1"/>
+              <a:t>використання</a:t>
+            </a:r>
+            <a:r>
+              <a:rPr lang="ru-RU" b="1" dirty="0"/>
+              <a:t> </a:t>
+            </a:r>
+            <a:r>
+              <a:rPr lang="ru-RU" b="1" dirty="0" err="1"/>
+              <a:t>пам'яті</a:t>
+            </a:r>
+            <a:r>
+              <a:rPr lang="ru-RU" dirty="0"/>
+              <a:t> за </a:t>
+            </a:r>
+            <a:r>
+              <a:rPr lang="ru-RU" dirty="0" err="1"/>
+              <a:t>рахунок</a:t>
+            </a:r>
+            <a:r>
+              <a:rPr lang="ru-RU" dirty="0"/>
+              <a:t> </a:t>
+            </a:r>
+            <a:r>
+              <a:rPr lang="ru-RU" dirty="0" err="1"/>
+              <a:t>розділення</a:t>
+            </a:r>
+            <a:r>
+              <a:rPr lang="ru-RU" dirty="0"/>
+              <a:t> стану </a:t>
+            </a:r>
+            <a:r>
+              <a:rPr lang="ru-RU" dirty="0" err="1"/>
+              <a:t>між</a:t>
+            </a:r>
+            <a:r>
+              <a:rPr lang="ru-RU" dirty="0"/>
+              <a:t> </a:t>
+            </a:r>
+            <a:r>
+              <a:rPr lang="ru-RU" dirty="0" err="1" smtClean="0"/>
+              <a:t>об'єктами</a:t>
+            </a:r>
+            <a:r>
+              <a:rPr lang="ru-RU" dirty="0" smtClean="0"/>
+              <a:t>.</a:t>
+            </a:r>
+          </a:p>
+          <a:p>
+            <a:r>
+              <a:rPr lang="ru-RU" b="1" dirty="0" err="1" smtClean="0"/>
+              <a:t>Якщо</a:t>
+            </a:r>
+            <a:r>
+              <a:rPr lang="ru-RU" b="1" dirty="0" smtClean="0"/>
+              <a:t> </a:t>
+            </a:r>
+            <a:r>
+              <a:rPr lang="ru-RU" b="1" dirty="0"/>
+              <a:t>велика </a:t>
+            </a:r>
+            <a:r>
+              <a:rPr lang="ru-RU" b="1" dirty="0" err="1"/>
+              <a:t>частина</a:t>
+            </a:r>
+            <a:r>
+              <a:rPr lang="ru-RU" b="1" dirty="0"/>
+              <a:t> </a:t>
+            </a:r>
+            <a:r>
+              <a:rPr lang="ru-RU" b="1" dirty="0" err="1"/>
+              <a:t>інформації</a:t>
+            </a:r>
+            <a:r>
+              <a:rPr lang="ru-RU" b="1" dirty="0"/>
+              <a:t> в </a:t>
+            </a:r>
+            <a:r>
+              <a:rPr lang="ru-RU" b="1" dirty="0" err="1"/>
+              <a:t>об'єктах</a:t>
+            </a:r>
+            <a:r>
+              <a:rPr lang="ru-RU" b="1" dirty="0"/>
+              <a:t> </a:t>
+            </a:r>
+            <a:r>
+              <a:rPr lang="ru-RU" b="1" dirty="0" err="1"/>
+              <a:t>повторюється</a:t>
+            </a:r>
+            <a:r>
+              <a:rPr lang="ru-RU" b="1" dirty="0"/>
+              <a:t> і </a:t>
+            </a:r>
+            <a:r>
+              <a:rPr lang="ru-RU" b="1" dirty="0" err="1"/>
+              <a:t>її</a:t>
+            </a:r>
+            <a:r>
+              <a:rPr lang="ru-RU" b="1" dirty="0"/>
+              <a:t> </a:t>
+            </a:r>
+            <a:r>
+              <a:rPr lang="ru-RU" b="1" dirty="0" err="1"/>
+              <a:t>можна</a:t>
+            </a:r>
+            <a:r>
+              <a:rPr lang="ru-RU" b="1" dirty="0"/>
+              <a:t> </a:t>
+            </a:r>
+            <a:r>
+              <a:rPr lang="ru-RU" b="1" dirty="0" err="1"/>
+              <a:t>зберігати</a:t>
+            </a:r>
+            <a:r>
+              <a:rPr lang="ru-RU" b="1" dirty="0"/>
+              <a:t> </a:t>
+            </a:r>
+            <a:r>
+              <a:rPr lang="ru-RU" b="1" dirty="0" err="1"/>
+              <a:t>окремо</a:t>
+            </a:r>
+            <a:r>
+              <a:rPr lang="ru-RU" dirty="0"/>
+              <a:t>.</a:t>
+            </a:r>
+          </a:p>
+          <a:p>
+            <a:pPr marL="186262" indent="0">
+              <a:buNone/>
+            </a:pPr>
+            <a:endParaRPr lang="ru-RU" dirty="0"/>
+          </a:p>
+        </p:txBody>
+      </p:sp>
+      <p:sp>
+        <p:nvSpPr>
+          <p:cNvPr id="6" name="AutoShape 4" descr="Adiós John Vlissides | La Naturaleza del Software"/>
+          <p:cNvSpPr>
+            <a:spLocks noChangeAspect="1" noChangeArrowheads="1"/>
+          </p:cNvSpPr>
+          <p:nvPr/>
+        </p:nvSpPr>
+        <p:spPr bwMode="auto">
+          <a:xfrm>
+            <a:off x="155575" y="-144463"/>
+            <a:ext cx="304800" cy="304801"/>
+          </a:xfrm>
+          <a:prstGeom prst="rect">
+            <a:avLst/>
+          </a:prstGeom>
+          <a:noFill/>
+          <a:extLst>
+            <a:ext uri="{909E8E84-426E-40DD-AFC4-6F175D3DCCD1}">
+              <a14:hiddenFill xmlns:a14="http://schemas.microsoft.com/office/drawing/2010/main">
+                <a:solidFill>
+                  <a:srgbClr val="FFFFFF"/>
+                </a:solidFill>
+              </a14:hiddenFill>
+            </a:ext>
+          </a:extLst>
+        </p:spPr>
+        <p:txBody>
+          <a:bodyPr vert="horz" wrap="square" lIns="91440" tIns="45720" rIns="91440" bIns="45720" numCol="1" anchor="t" anchorCtr="0" compatLnSpc="1">
+            <a:prstTxWarp prst="textNoShape">
+              <a:avLst/>
+            </a:prstTxWarp>
+          </a:bodyPr>
+          <a:lstStyle/>
+          <a:p>
+            <a:endParaRPr lang="ru-RU"/>
+          </a:p>
+        </p:txBody>
+      </p:sp>
+      <p:sp>
+        <p:nvSpPr>
+          <p:cNvPr id="7" name="AutoShape 6" descr="Adiós John Vlissides | La Naturaleza del Software"/>
+          <p:cNvSpPr>
+            <a:spLocks noChangeAspect="1" noChangeArrowheads="1"/>
+          </p:cNvSpPr>
+          <p:nvPr/>
+        </p:nvSpPr>
+        <p:spPr bwMode="auto">
+          <a:xfrm>
+            <a:off x="307975" y="7937"/>
+            <a:ext cx="304800" cy="304801"/>
+          </a:xfrm>
+          <a:prstGeom prst="rect">
+            <a:avLst/>
+          </a:prstGeom>
+          <a:noFill/>
+          <a:extLst>
+            <a:ext uri="{909E8E84-426E-40DD-AFC4-6F175D3DCCD1}">
+              <a14:hiddenFill xmlns:a14="http://schemas.microsoft.com/office/drawing/2010/main">
+                <a:solidFill>
+                  <a:srgbClr val="FFFFFF"/>
+                </a:solidFill>
+              </a14:hiddenFill>
+            </a:ext>
+          </a:extLst>
+        </p:spPr>
+        <p:txBody>
+          <a:bodyPr vert="horz" wrap="square" lIns="91440" tIns="45720" rIns="91440" bIns="45720" numCol="1" anchor="t" anchorCtr="0" compatLnSpc="1">
+            <a:prstTxWarp prst="textNoShape">
+              <a:avLst/>
+            </a:prstTxWarp>
+          </a:bodyPr>
+          <a:lstStyle/>
+          <a:p>
+            <a:endParaRPr lang="ru-RU"/>
+          </a:p>
+        </p:txBody>
+      </p:sp>
+      <p:sp>
+        <p:nvSpPr>
+          <p:cNvPr id="8" name="AutoShape 8" descr="https://lnds.net/blog/lnds/2005/11/28/adios-john-vlissides/GOF-OOPSLA-1994_hud4ba4d769b17bed9bedfa43cf34b9c50_53287_8b4ed1cae97cd1c8c0242a5f7000d799.webp"/>
+          <p:cNvSpPr>
+            <a:spLocks noChangeAspect="1" noChangeArrowheads="1"/>
+          </p:cNvSpPr>
+          <p:nvPr/>
+        </p:nvSpPr>
+        <p:spPr bwMode="auto">
+          <a:xfrm>
+            <a:off x="460375" y="160337"/>
+            <a:ext cx="304800" cy="304801"/>
+          </a:xfrm>
+          <a:prstGeom prst="rect">
+            <a:avLst/>
+          </a:prstGeom>
+          <a:noFill/>
+          <a:extLst>
+            <a:ext uri="{909E8E84-426E-40DD-AFC4-6F175D3DCCD1}">
+              <a14:hiddenFill xmlns:a14="http://schemas.microsoft.com/office/drawing/2010/main">
+                <a:solidFill>
+                  <a:srgbClr val="FFFFFF"/>
+                </a:solidFill>
+              </a14:hiddenFill>
+            </a:ext>
+          </a:extLst>
+        </p:spPr>
+        <p:txBody>
+          <a:bodyPr vert="horz" wrap="square" lIns="91440" tIns="45720" rIns="91440" bIns="45720" numCol="1" anchor="t" anchorCtr="0" compatLnSpc="1">
+            <a:prstTxWarp prst="textNoShape">
+              <a:avLst/>
+            </a:prstTxWarp>
+          </a:bodyPr>
+          <a:lstStyle/>
+          <a:p>
+            <a:endParaRPr lang="ru-RU"/>
+          </a:p>
+        </p:txBody>
+      </p:sp>
+      <p:sp>
+        <p:nvSpPr>
+          <p:cNvPr id="9" name="AutoShape 10" descr="https://lnds.net/blog/lnds/2005/11/28/adios-john-vlissides/GOF-OOPSLA-1994_hud4ba4d769b17bed9bedfa43cf34b9c50_53287_8b4ed1cae97cd1c8c0242a5f7000d799.webp"/>
+          <p:cNvSpPr>
+            <a:spLocks noChangeAspect="1" noChangeArrowheads="1"/>
+          </p:cNvSpPr>
+          <p:nvPr/>
+        </p:nvSpPr>
+        <p:spPr bwMode="auto">
+          <a:xfrm>
+            <a:off x="612775" y="312737"/>
+            <a:ext cx="304800" cy="304801"/>
+          </a:xfrm>
+          <a:prstGeom prst="rect">
+            <a:avLst/>
+          </a:prstGeom>
+          <a:noFill/>
+          <a:extLst>
+            <a:ext uri="{909E8E84-426E-40DD-AFC4-6F175D3DCCD1}">
+              <a14:hiddenFill xmlns:a14="http://schemas.microsoft.com/office/drawing/2010/main">
+                <a:solidFill>
+                  <a:srgbClr val="FFFFFF"/>
+                </a:solidFill>
+              </a14:hiddenFill>
+            </a:ext>
+          </a:extLst>
+        </p:spPr>
+        <p:txBody>
+          <a:bodyPr vert="horz" wrap="square" lIns="91440" tIns="45720" rIns="91440" bIns="45720" numCol="1" anchor="t" anchorCtr="0" compatLnSpc="1">
+            <a:prstTxWarp prst="textNoShape">
+              <a:avLst/>
+            </a:prstTxWarp>
+          </a:bodyPr>
+          <a:lstStyle/>
+          <a:p>
+            <a:endParaRPr lang="ru-RU"/>
+          </a:p>
+        </p:txBody>
+      </p:sp>
+      <p:pic>
+        <p:nvPicPr>
+          <p:cNvPr id="10242" name="Picture 2"/>
+          <p:cNvPicPr>
+            <a:picLocks noChangeAspect="1" noChangeArrowheads="1"/>
+          </p:cNvPicPr>
+          <p:nvPr/>
+        </p:nvPicPr>
+        <p:blipFill>
+          <a:blip r:embed="rId2">
+            <a:extLst>
+              <a:ext uri="{28A0092B-C50C-407E-A947-70E740481C1C}">
+                <a14:useLocalDpi xmlns:a14="http://schemas.microsoft.com/office/drawing/2010/main" val="0"/>
+              </a:ext>
+            </a:extLst>
+          </a:blip>
+          <a:srcRect/>
+          <a:stretch>
+            <a:fillRect/>
+          </a:stretch>
+        </p:blipFill>
+        <p:spPr bwMode="auto">
+          <a:xfrm>
+            <a:off x="7975600" y="465138"/>
+            <a:ext cx="3757612" cy="6035675"/>
+          </a:xfrm>
+          <a:prstGeom prst="rect">
+            <a:avLst/>
+          </a:prstGeom>
+          <a:noFill/>
+          <a:ln>
+            <a:noFill/>
+          </a:ln>
+          <a:effectLst/>
+          <a:extLst>
+            <a:ext uri="{909E8E84-426E-40DD-AFC4-6F175D3DCCD1}">
+              <a14:hiddenFill xmlns:a14="http://schemas.microsoft.com/office/drawing/2010/main">
+                <a:solidFill>
+                  <a:schemeClr val="accent1"/>
+                </a:solidFill>
+              </a14:hiddenFill>
+            </a:ext>
+            <a:ext uri="{91240B29-F687-4F45-9708-019B960494DF}">
+              <a14:hiddenLine xmlns:a14="http://schemas.microsoft.com/office/drawing/2010/main" w="9525">
                 <a:solidFill>
                   <a:schemeClr val="tx1"/>
                 </a:solidFill>
-              </a:rPr>
-              <a:t>https</a:t>
-            </a:r>
-            <a:r>
-              <a:rPr lang="en-US" dirty="0">
+                <a:miter lim="800000"/>
+                <a:headEnd/>
+                <a:tailEnd/>
+              </a14:hiddenLine>
+            </a:ext>
+            <a:ext uri="{AF507438-7753-43E0-B8FC-AC1667EBCBE1}">
+              <a14:hiddenEffects xmlns:a14="http://schemas.microsoft.com/office/drawing/2010/main">
+                <a:effectLst>
+                  <a:outerShdw dist="35921" dir="2700000" algn="ctr" rotWithShape="0">
+                    <a:schemeClr val="bg2"/>
+                  </a:outerShdw>
+                </a:effectLst>
+              </a14:hiddenEffects>
+            </a:ext>
+          </a:extLst>
+        </p:spPr>
+      </p:pic>
+    </p:spTree>
+    <p:extLst>
+      <p:ext uri="{BB962C8B-B14F-4D97-AF65-F5344CB8AC3E}">
+        <p14:creationId xmlns:p14="http://schemas.microsoft.com/office/powerpoint/2010/main" val="955992669"/>
+      </p:ext>
+    </p:extLst>
+  </p:cSld>
+  <p:clrMapOvr>
+    <a:masterClrMapping/>
+  </p:clrMapOvr>
+</p:sld>
+</file>
+
+<file path=ppt/slides/slide18.xml><?xml version="1.0" encoding="utf-8"?>
+<p:sld xmlns:a="http://schemas.openxmlformats.org/drawingml/2006/main" xmlns:r="http://schemas.openxmlformats.org/officeDocument/2006/relationships" xmlns:p="http://schemas.openxmlformats.org/presentationml/2006/main">
+  <p:cSld>
+    <p:spTree>
+      <p:nvGrpSpPr>
+        <p:cNvPr id="1" name=""/>
+        <p:cNvGrpSpPr/>
+        <p:nvPr/>
+      </p:nvGrpSpPr>
+      <p:grpSpPr>
+        <a:xfrm>
+          <a:off x="0" y="0"/>
+          <a:ext cx="0" cy="0"/>
+          <a:chOff x="0" y="0"/>
+          <a:chExt cx="0" cy="0"/>
+        </a:xfrm>
+      </p:grpSpPr>
+      <p:sp>
+        <p:nvSpPr>
+          <p:cNvPr id="2" name="Заголовок 1"/>
+          <p:cNvSpPr>
+            <a:spLocks noGrp="1"/>
+          </p:cNvSpPr>
+          <p:nvPr>
+            <p:ph type="title"/>
+          </p:nvPr>
+        </p:nvSpPr>
+        <p:spPr/>
+        <p:txBody>
+          <a:bodyPr/>
+          <a:lstStyle/>
+          <a:p>
+            <a:r>
+              <a:rPr lang="ru-RU" b="1" dirty="0" err="1"/>
+              <a:t>Замісник</a:t>
+            </a:r>
+            <a:r>
+              <a:rPr lang="ru-RU" b="1" dirty="0"/>
+              <a:t> (</a:t>
+            </a:r>
+            <a:r>
+              <a:rPr lang="en-US" b="1" dirty="0"/>
+              <a:t>Proxy)</a:t>
+            </a:r>
+            <a:endParaRPr lang="ru-RU" b="1" dirty="0"/>
+          </a:p>
+        </p:txBody>
+      </p:sp>
+      <p:sp>
+        <p:nvSpPr>
+          <p:cNvPr id="3" name="Текст 2"/>
+          <p:cNvSpPr>
+            <a:spLocks noGrp="1"/>
+          </p:cNvSpPr>
+          <p:nvPr>
+            <p:ph type="body" idx="1"/>
+          </p:nvPr>
+        </p:nvSpPr>
+        <p:spPr>
+          <a:xfrm>
+            <a:off x="415600" y="1536633"/>
+            <a:ext cx="6665684" cy="4800372"/>
+          </a:xfrm>
+        </p:spPr>
+        <p:txBody>
+          <a:bodyPr>
+            <a:normAutofit fontScale="92500"/>
+          </a:bodyPr>
+          <a:lstStyle/>
+          <a:p>
+            <a:pPr marL="186262" indent="0">
+              <a:buNone/>
+            </a:pPr>
+            <a:r>
+              <a:rPr lang="ru-RU" b="1" dirty="0" err="1" smtClean="0"/>
+              <a:t>Замісник</a:t>
+            </a:r>
+            <a:r>
+              <a:rPr lang="ru-RU" b="1" dirty="0" smtClean="0"/>
+              <a:t> </a:t>
+            </a:r>
+            <a:r>
+              <a:rPr lang="ru-RU" b="1" dirty="0"/>
+              <a:t>(</a:t>
+            </a:r>
+            <a:r>
+              <a:rPr lang="en-US" b="1" dirty="0"/>
+              <a:t>Proxy)</a:t>
+            </a:r>
+            <a:r>
+              <a:rPr lang="en-US" dirty="0"/>
+              <a:t> — </a:t>
+            </a:r>
+            <a:r>
+              <a:rPr lang="ru-RU" dirty="0" err="1"/>
+              <a:t>це</a:t>
+            </a:r>
+            <a:r>
+              <a:rPr lang="ru-RU" dirty="0"/>
+              <a:t> </a:t>
+            </a:r>
+            <a:r>
+              <a:rPr lang="ru-RU" dirty="0" err="1"/>
+              <a:t>об'єкт</a:t>
+            </a:r>
+            <a:r>
+              <a:rPr lang="ru-RU" dirty="0"/>
+              <a:t>, </a:t>
+            </a:r>
+            <a:r>
+              <a:rPr lang="ru-RU" dirty="0" err="1"/>
+              <a:t>який</a:t>
+            </a:r>
+            <a:r>
+              <a:rPr lang="ru-RU" dirty="0"/>
+              <a:t> </a:t>
+            </a:r>
+            <a:r>
+              <a:rPr lang="ru-RU" b="1" dirty="0" err="1"/>
+              <a:t>виступає</a:t>
+            </a:r>
+            <a:r>
+              <a:rPr lang="ru-RU" b="1" dirty="0"/>
+              <a:t> </a:t>
+            </a:r>
+            <a:r>
+              <a:rPr lang="ru-RU" b="1" dirty="0" err="1"/>
+              <a:t>посередником</a:t>
+            </a:r>
+            <a:r>
+              <a:rPr lang="ru-RU" dirty="0"/>
+              <a:t> </a:t>
+            </a:r>
+            <a:r>
+              <a:rPr lang="ru-RU" dirty="0" err="1"/>
+              <a:t>між</a:t>
+            </a:r>
+            <a:r>
+              <a:rPr lang="ru-RU" dirty="0"/>
+              <a:t> </a:t>
+            </a:r>
+            <a:r>
+              <a:rPr lang="ru-RU" dirty="0" err="1"/>
+              <a:t>клієнтом</a:t>
+            </a:r>
+            <a:r>
+              <a:rPr lang="ru-RU" dirty="0"/>
+              <a:t> і </a:t>
+            </a:r>
+            <a:r>
+              <a:rPr lang="ru-RU" dirty="0" err="1"/>
+              <a:t>реальним</a:t>
+            </a:r>
+            <a:r>
+              <a:rPr lang="ru-RU" dirty="0"/>
+              <a:t> </a:t>
+            </a:r>
+            <a:r>
+              <a:rPr lang="ru-RU" dirty="0" err="1" smtClean="0"/>
+              <a:t>об'єктом</a:t>
+            </a:r>
+            <a:r>
+              <a:rPr lang="ru-RU" dirty="0" smtClean="0"/>
+              <a:t>. </a:t>
+            </a:r>
+            <a:r>
+              <a:rPr lang="ru-RU" b="1" dirty="0" err="1" smtClean="0"/>
+              <a:t>Основна</a:t>
+            </a:r>
+            <a:r>
+              <a:rPr lang="ru-RU" b="1" dirty="0" smtClean="0"/>
+              <a:t> </a:t>
+            </a:r>
+            <a:r>
+              <a:rPr lang="ru-RU" b="1" dirty="0" err="1"/>
+              <a:t>ідея</a:t>
+            </a:r>
+            <a:r>
+              <a:rPr lang="ru-RU" dirty="0"/>
+              <a:t> – </a:t>
+            </a:r>
+            <a:r>
+              <a:rPr lang="ru-RU" b="1" dirty="0" err="1"/>
+              <a:t>перехоплювати</a:t>
+            </a:r>
+            <a:r>
+              <a:rPr lang="ru-RU" b="1" dirty="0"/>
+              <a:t> </a:t>
+            </a:r>
+            <a:r>
+              <a:rPr lang="ru-RU" b="1" dirty="0" err="1"/>
+              <a:t>виклики</a:t>
+            </a:r>
+            <a:r>
+              <a:rPr lang="ru-RU" dirty="0"/>
+              <a:t> </a:t>
+            </a:r>
+            <a:r>
+              <a:rPr lang="ru-RU" dirty="0" err="1"/>
+              <a:t>клієнта</a:t>
+            </a:r>
+            <a:r>
+              <a:rPr lang="ru-RU" dirty="0"/>
+              <a:t>, </a:t>
+            </a:r>
+            <a:r>
+              <a:rPr lang="ru-RU" dirty="0" err="1"/>
+              <a:t>виконувати</a:t>
+            </a:r>
+            <a:r>
+              <a:rPr lang="ru-RU" dirty="0"/>
+              <a:t> </a:t>
+            </a:r>
+            <a:r>
+              <a:rPr lang="ru-RU" dirty="0" err="1"/>
+              <a:t>додаткові</a:t>
+            </a:r>
+            <a:r>
+              <a:rPr lang="ru-RU" dirty="0"/>
+              <a:t> </a:t>
+            </a:r>
+            <a:r>
+              <a:rPr lang="ru-RU" dirty="0" err="1"/>
+              <a:t>функції</a:t>
+            </a:r>
+            <a:r>
+              <a:rPr lang="ru-RU" dirty="0"/>
+              <a:t> (</a:t>
+            </a:r>
+            <a:r>
+              <a:rPr lang="ru-RU" b="1" dirty="0" err="1"/>
+              <a:t>кешування</a:t>
+            </a:r>
+            <a:r>
+              <a:rPr lang="ru-RU" b="1" dirty="0"/>
+              <a:t>, контроль доступу, </a:t>
+            </a:r>
+            <a:r>
+              <a:rPr lang="ru-RU" b="1" dirty="0" err="1"/>
+              <a:t>логування</a:t>
+            </a:r>
+            <a:r>
+              <a:rPr lang="ru-RU" dirty="0"/>
+              <a:t>) та </a:t>
+            </a:r>
+            <a:r>
+              <a:rPr lang="ru-RU" dirty="0" err="1"/>
+              <a:t>передавати</a:t>
+            </a:r>
+            <a:r>
+              <a:rPr lang="ru-RU" dirty="0"/>
+              <a:t> запит до реального </a:t>
+            </a:r>
+            <a:r>
+              <a:rPr lang="ru-RU" dirty="0" err="1"/>
+              <a:t>об'єкта</a:t>
+            </a:r>
+            <a:r>
+              <a:rPr lang="ru-RU" dirty="0"/>
+              <a:t>.</a:t>
+            </a:r>
+          </a:p>
+          <a:p>
+            <a:pPr marL="186262" indent="0">
+              <a:buNone/>
+            </a:pPr>
+            <a:r>
+              <a:rPr lang="ru-RU" b="1" dirty="0" smtClean="0"/>
+              <a:t>Коли </a:t>
+            </a:r>
+            <a:r>
+              <a:rPr lang="ru-RU" b="1" dirty="0" err="1"/>
+              <a:t>використовувати</a:t>
+            </a:r>
+            <a:r>
+              <a:rPr lang="ru-RU" b="1" dirty="0"/>
+              <a:t> </a:t>
+            </a:r>
+            <a:r>
+              <a:rPr lang="ru-RU" b="1" dirty="0" err="1"/>
+              <a:t>патерн</a:t>
+            </a:r>
+            <a:r>
+              <a:rPr lang="ru-RU" b="1" dirty="0"/>
+              <a:t> </a:t>
+            </a:r>
+            <a:r>
+              <a:rPr lang="ru-RU" b="1" dirty="0" err="1"/>
+              <a:t>Замісник</a:t>
+            </a:r>
+            <a:r>
+              <a:rPr lang="ru-RU" b="1" dirty="0"/>
+              <a:t>?</a:t>
+            </a:r>
+          </a:p>
+          <a:p>
+            <a:r>
+              <a:rPr lang="ru-RU" b="1" dirty="0" smtClean="0"/>
+              <a:t>Коли </a:t>
+            </a:r>
+            <a:r>
+              <a:rPr lang="ru-RU" b="1" dirty="0" err="1"/>
+              <a:t>необхідно</a:t>
+            </a:r>
+            <a:r>
+              <a:rPr lang="ru-RU" b="1" dirty="0"/>
+              <a:t> </a:t>
+            </a:r>
+            <a:r>
+              <a:rPr lang="ru-RU" b="1" dirty="0" err="1"/>
+              <a:t>додати</a:t>
+            </a:r>
+            <a:r>
+              <a:rPr lang="ru-RU" b="1" dirty="0"/>
+              <a:t> контроль доступу</a:t>
+            </a:r>
+            <a:r>
+              <a:rPr lang="ru-RU" dirty="0"/>
+              <a:t> – </a:t>
+            </a:r>
+            <a:r>
+              <a:rPr lang="ru-RU" dirty="0" err="1"/>
+              <a:t>наприклад</a:t>
+            </a:r>
+            <a:r>
+              <a:rPr lang="ru-RU" dirty="0"/>
+              <a:t>, </a:t>
+            </a:r>
+            <a:r>
+              <a:rPr lang="ru-RU" dirty="0" err="1"/>
+              <a:t>перевіряти</a:t>
+            </a:r>
+            <a:r>
+              <a:rPr lang="ru-RU" dirty="0"/>
+              <a:t> права </a:t>
+            </a:r>
+            <a:r>
+              <a:rPr lang="ru-RU" dirty="0" err="1"/>
+              <a:t>користувача</a:t>
+            </a:r>
+            <a:r>
+              <a:rPr lang="ru-RU" dirty="0"/>
+              <a:t> перед передачею </a:t>
+            </a:r>
+            <a:r>
+              <a:rPr lang="ru-RU" dirty="0" err="1" smtClean="0"/>
+              <a:t>запиту</a:t>
+            </a:r>
+            <a:r>
+              <a:rPr lang="ru-RU" dirty="0" smtClean="0"/>
+              <a:t>.</a:t>
+            </a:r>
+          </a:p>
+          <a:p>
+            <a:r>
+              <a:rPr lang="ru-RU" b="1" dirty="0" smtClean="0"/>
+              <a:t>Коли </a:t>
+            </a:r>
+            <a:r>
+              <a:rPr lang="ru-RU" b="1" dirty="0" err="1"/>
+              <a:t>потрібно</a:t>
+            </a:r>
+            <a:r>
+              <a:rPr lang="ru-RU" b="1" dirty="0"/>
+              <a:t> </a:t>
+            </a:r>
+            <a:r>
+              <a:rPr lang="ru-RU" b="1" dirty="0" err="1"/>
+              <a:t>кешувати</a:t>
+            </a:r>
+            <a:r>
+              <a:rPr lang="ru-RU" b="1" dirty="0"/>
+              <a:t> </a:t>
+            </a:r>
+            <a:r>
+              <a:rPr lang="ru-RU" b="1" dirty="0" err="1"/>
+              <a:t>результати</a:t>
+            </a:r>
+            <a:r>
+              <a:rPr lang="ru-RU" b="1" dirty="0"/>
+              <a:t> </a:t>
+            </a:r>
+            <a:r>
+              <a:rPr lang="ru-RU" b="1" dirty="0" err="1"/>
+              <a:t>запитів</a:t>
+            </a:r>
+            <a:r>
+              <a:rPr lang="ru-RU" dirty="0"/>
+              <a:t> – </a:t>
+            </a:r>
+            <a:r>
+              <a:rPr lang="ru-RU" dirty="0" err="1"/>
+              <a:t>зменшення</a:t>
+            </a:r>
+            <a:r>
+              <a:rPr lang="ru-RU" dirty="0"/>
+              <a:t> </a:t>
+            </a:r>
+            <a:r>
+              <a:rPr lang="ru-RU" dirty="0" err="1"/>
+              <a:t>навантаження</a:t>
+            </a:r>
+            <a:r>
+              <a:rPr lang="ru-RU" dirty="0"/>
+              <a:t> на </a:t>
+            </a:r>
+            <a:r>
+              <a:rPr lang="ru-RU" dirty="0" err="1"/>
+              <a:t>реальний</a:t>
+            </a:r>
+            <a:r>
+              <a:rPr lang="ru-RU" dirty="0"/>
+              <a:t> </a:t>
+            </a:r>
+            <a:r>
+              <a:rPr lang="ru-RU" dirty="0" err="1" smtClean="0"/>
+              <a:t>об'єкт</a:t>
+            </a:r>
+            <a:r>
+              <a:rPr lang="ru-RU" dirty="0" smtClean="0"/>
+              <a:t>.</a:t>
+            </a:r>
+          </a:p>
+          <a:p>
+            <a:r>
+              <a:rPr lang="ru-RU" b="1" dirty="0" smtClean="0"/>
+              <a:t>Коли </a:t>
+            </a:r>
+            <a:r>
+              <a:rPr lang="ru-RU" b="1" dirty="0" err="1"/>
+              <a:t>необхідно</a:t>
+            </a:r>
+            <a:r>
+              <a:rPr lang="ru-RU" b="1" dirty="0"/>
+              <a:t> </a:t>
+            </a:r>
+            <a:r>
+              <a:rPr lang="ru-RU" b="1" dirty="0" err="1"/>
+              <a:t>відкладене</a:t>
+            </a:r>
+            <a:r>
+              <a:rPr lang="ru-RU" b="1" dirty="0"/>
+              <a:t> </a:t>
+            </a:r>
+            <a:r>
+              <a:rPr lang="ru-RU" b="1" dirty="0" err="1"/>
+              <a:t>створення</a:t>
+            </a:r>
+            <a:r>
+              <a:rPr lang="ru-RU" b="1" dirty="0"/>
+              <a:t> (</a:t>
+            </a:r>
+            <a:r>
+              <a:rPr lang="en-US" b="1" dirty="0"/>
+              <a:t>lazy initialization)</a:t>
+            </a:r>
+            <a:r>
+              <a:rPr lang="en-US" dirty="0"/>
+              <a:t> – </a:t>
+            </a:r>
+            <a:r>
+              <a:rPr lang="ru-RU" dirty="0" err="1"/>
+              <a:t>об'єкт</a:t>
+            </a:r>
+            <a:r>
+              <a:rPr lang="ru-RU" dirty="0"/>
+              <a:t> </a:t>
+            </a:r>
+            <a:r>
+              <a:rPr lang="ru-RU" dirty="0" err="1"/>
+              <a:t>створюється</a:t>
+            </a:r>
+            <a:r>
+              <a:rPr lang="ru-RU" dirty="0"/>
+              <a:t> </a:t>
+            </a:r>
+            <a:r>
+              <a:rPr lang="ru-RU" dirty="0" err="1"/>
+              <a:t>лише</a:t>
+            </a:r>
+            <a:r>
+              <a:rPr lang="ru-RU" dirty="0"/>
+              <a:t> </a:t>
+            </a:r>
+            <a:r>
+              <a:rPr lang="ru-RU" dirty="0" err="1"/>
+              <a:t>під</a:t>
+            </a:r>
+            <a:r>
+              <a:rPr lang="ru-RU" dirty="0"/>
+              <a:t> час </a:t>
+            </a:r>
+            <a:r>
+              <a:rPr lang="ru-RU" dirty="0" err="1"/>
+              <a:t>першого</a:t>
+            </a:r>
+            <a:r>
+              <a:rPr lang="ru-RU" dirty="0"/>
+              <a:t> </a:t>
+            </a:r>
+            <a:r>
+              <a:rPr lang="ru-RU" dirty="0" err="1" smtClean="0"/>
+              <a:t>виклику</a:t>
+            </a:r>
+            <a:r>
+              <a:rPr lang="ru-RU" dirty="0" smtClean="0"/>
+              <a:t>.</a:t>
+            </a:r>
+          </a:p>
+          <a:p>
+            <a:r>
+              <a:rPr lang="ru-RU" b="1" dirty="0" smtClean="0"/>
+              <a:t>Коли </a:t>
+            </a:r>
+            <a:r>
+              <a:rPr lang="ru-RU" b="1" dirty="0" err="1"/>
+              <a:t>потрібно</a:t>
+            </a:r>
+            <a:r>
+              <a:rPr lang="ru-RU" b="1" dirty="0"/>
+              <a:t> вести </a:t>
+            </a:r>
+            <a:r>
+              <a:rPr lang="ru-RU" b="1" dirty="0" err="1"/>
+              <a:t>логування</a:t>
+            </a:r>
+            <a:r>
+              <a:rPr lang="ru-RU" b="1" dirty="0"/>
+              <a:t> </a:t>
+            </a:r>
+            <a:r>
+              <a:rPr lang="ru-RU" b="1" dirty="0" err="1"/>
+              <a:t>або</a:t>
+            </a:r>
+            <a:r>
+              <a:rPr lang="ru-RU" b="1" dirty="0"/>
+              <a:t> </a:t>
+            </a:r>
+            <a:r>
+              <a:rPr lang="ru-RU" b="1" dirty="0" err="1"/>
+              <a:t>збір</a:t>
+            </a:r>
+            <a:r>
+              <a:rPr lang="ru-RU" b="1" dirty="0"/>
+              <a:t> статистики</a:t>
+            </a:r>
+            <a:r>
+              <a:rPr lang="ru-RU" dirty="0"/>
+              <a:t>.</a:t>
+            </a:r>
+          </a:p>
+          <a:p>
+            <a:pPr marL="186262" indent="0">
+              <a:buNone/>
+            </a:pPr>
+            <a:endParaRPr lang="ru-RU" dirty="0"/>
+          </a:p>
+        </p:txBody>
+      </p:sp>
+      <p:sp>
+        <p:nvSpPr>
+          <p:cNvPr id="6" name="AutoShape 4" descr="Adiós John Vlissides | La Naturaleza del Software"/>
+          <p:cNvSpPr>
+            <a:spLocks noChangeAspect="1" noChangeArrowheads="1"/>
+          </p:cNvSpPr>
+          <p:nvPr/>
+        </p:nvSpPr>
+        <p:spPr bwMode="auto">
+          <a:xfrm>
+            <a:off x="155575" y="-144463"/>
+            <a:ext cx="304800" cy="304801"/>
+          </a:xfrm>
+          <a:prstGeom prst="rect">
+            <a:avLst/>
+          </a:prstGeom>
+          <a:noFill/>
+          <a:extLst>
+            <a:ext uri="{909E8E84-426E-40DD-AFC4-6F175D3DCCD1}">
+              <a14:hiddenFill xmlns:a14="http://schemas.microsoft.com/office/drawing/2010/main">
+                <a:solidFill>
+                  <a:srgbClr val="FFFFFF"/>
+                </a:solidFill>
+              </a14:hiddenFill>
+            </a:ext>
+          </a:extLst>
+        </p:spPr>
+        <p:txBody>
+          <a:bodyPr vert="horz" wrap="square" lIns="91440" tIns="45720" rIns="91440" bIns="45720" numCol="1" anchor="t" anchorCtr="0" compatLnSpc="1">
+            <a:prstTxWarp prst="textNoShape">
+              <a:avLst/>
+            </a:prstTxWarp>
+          </a:bodyPr>
+          <a:lstStyle/>
+          <a:p>
+            <a:endParaRPr lang="ru-RU"/>
+          </a:p>
+        </p:txBody>
+      </p:sp>
+      <p:sp>
+        <p:nvSpPr>
+          <p:cNvPr id="7" name="AutoShape 6" descr="Adiós John Vlissides | La Naturaleza del Software"/>
+          <p:cNvSpPr>
+            <a:spLocks noChangeAspect="1" noChangeArrowheads="1"/>
+          </p:cNvSpPr>
+          <p:nvPr/>
+        </p:nvSpPr>
+        <p:spPr bwMode="auto">
+          <a:xfrm>
+            <a:off x="307975" y="7937"/>
+            <a:ext cx="304800" cy="304801"/>
+          </a:xfrm>
+          <a:prstGeom prst="rect">
+            <a:avLst/>
+          </a:prstGeom>
+          <a:noFill/>
+          <a:extLst>
+            <a:ext uri="{909E8E84-426E-40DD-AFC4-6F175D3DCCD1}">
+              <a14:hiddenFill xmlns:a14="http://schemas.microsoft.com/office/drawing/2010/main">
+                <a:solidFill>
+                  <a:srgbClr val="FFFFFF"/>
+                </a:solidFill>
+              </a14:hiddenFill>
+            </a:ext>
+          </a:extLst>
+        </p:spPr>
+        <p:txBody>
+          <a:bodyPr vert="horz" wrap="square" lIns="91440" tIns="45720" rIns="91440" bIns="45720" numCol="1" anchor="t" anchorCtr="0" compatLnSpc="1">
+            <a:prstTxWarp prst="textNoShape">
+              <a:avLst/>
+            </a:prstTxWarp>
+          </a:bodyPr>
+          <a:lstStyle/>
+          <a:p>
+            <a:endParaRPr lang="ru-RU"/>
+          </a:p>
+        </p:txBody>
+      </p:sp>
+      <p:sp>
+        <p:nvSpPr>
+          <p:cNvPr id="8" name="AutoShape 8" descr="https://lnds.net/blog/lnds/2005/11/28/adios-john-vlissides/GOF-OOPSLA-1994_hud4ba4d769b17bed9bedfa43cf34b9c50_53287_8b4ed1cae97cd1c8c0242a5f7000d799.webp"/>
+          <p:cNvSpPr>
+            <a:spLocks noChangeAspect="1" noChangeArrowheads="1"/>
+          </p:cNvSpPr>
+          <p:nvPr/>
+        </p:nvSpPr>
+        <p:spPr bwMode="auto">
+          <a:xfrm>
+            <a:off x="460375" y="160337"/>
+            <a:ext cx="304800" cy="304801"/>
+          </a:xfrm>
+          <a:prstGeom prst="rect">
+            <a:avLst/>
+          </a:prstGeom>
+          <a:noFill/>
+          <a:extLst>
+            <a:ext uri="{909E8E84-426E-40DD-AFC4-6F175D3DCCD1}">
+              <a14:hiddenFill xmlns:a14="http://schemas.microsoft.com/office/drawing/2010/main">
+                <a:solidFill>
+                  <a:srgbClr val="FFFFFF"/>
+                </a:solidFill>
+              </a14:hiddenFill>
+            </a:ext>
+          </a:extLst>
+        </p:spPr>
+        <p:txBody>
+          <a:bodyPr vert="horz" wrap="square" lIns="91440" tIns="45720" rIns="91440" bIns="45720" numCol="1" anchor="t" anchorCtr="0" compatLnSpc="1">
+            <a:prstTxWarp prst="textNoShape">
+              <a:avLst/>
+            </a:prstTxWarp>
+          </a:bodyPr>
+          <a:lstStyle/>
+          <a:p>
+            <a:endParaRPr lang="ru-RU"/>
+          </a:p>
+        </p:txBody>
+      </p:sp>
+      <p:sp>
+        <p:nvSpPr>
+          <p:cNvPr id="9" name="AutoShape 10" descr="https://lnds.net/blog/lnds/2005/11/28/adios-john-vlissides/GOF-OOPSLA-1994_hud4ba4d769b17bed9bedfa43cf34b9c50_53287_8b4ed1cae97cd1c8c0242a5f7000d799.webp"/>
+          <p:cNvSpPr>
+            <a:spLocks noChangeAspect="1" noChangeArrowheads="1"/>
+          </p:cNvSpPr>
+          <p:nvPr/>
+        </p:nvSpPr>
+        <p:spPr bwMode="auto">
+          <a:xfrm>
+            <a:off x="612775" y="312737"/>
+            <a:ext cx="304800" cy="304801"/>
+          </a:xfrm>
+          <a:prstGeom prst="rect">
+            <a:avLst/>
+          </a:prstGeom>
+          <a:noFill/>
+          <a:extLst>
+            <a:ext uri="{909E8E84-426E-40DD-AFC4-6F175D3DCCD1}">
+              <a14:hiddenFill xmlns:a14="http://schemas.microsoft.com/office/drawing/2010/main">
+                <a:solidFill>
+                  <a:srgbClr val="FFFFFF"/>
+                </a:solidFill>
+              </a14:hiddenFill>
+            </a:ext>
+          </a:extLst>
+        </p:spPr>
+        <p:txBody>
+          <a:bodyPr vert="horz" wrap="square" lIns="91440" tIns="45720" rIns="91440" bIns="45720" numCol="1" anchor="t" anchorCtr="0" compatLnSpc="1">
+            <a:prstTxWarp prst="textNoShape">
+              <a:avLst/>
+            </a:prstTxWarp>
+          </a:bodyPr>
+          <a:lstStyle/>
+          <a:p>
+            <a:endParaRPr lang="ru-RU"/>
+          </a:p>
+        </p:txBody>
+      </p:sp>
+      <p:pic>
+        <p:nvPicPr>
+          <p:cNvPr id="11266" name="Picture 2"/>
+          <p:cNvPicPr>
+            <a:picLocks noChangeAspect="1" noChangeArrowheads="1"/>
+          </p:cNvPicPr>
+          <p:nvPr/>
+        </p:nvPicPr>
+        <p:blipFill>
+          <a:blip r:embed="rId2">
+            <a:extLst>
+              <a:ext uri="{28A0092B-C50C-407E-A947-70E740481C1C}">
+                <a14:useLocalDpi xmlns:a14="http://schemas.microsoft.com/office/drawing/2010/main" val="0"/>
+              </a:ext>
+            </a:extLst>
+          </a:blip>
+          <a:srcRect/>
+          <a:stretch>
+            <a:fillRect/>
+          </a:stretch>
+        </p:blipFill>
+        <p:spPr bwMode="auto">
+          <a:xfrm>
+            <a:off x="7927422" y="1522782"/>
+            <a:ext cx="3810922" cy="4202078"/>
+          </a:xfrm>
+          <a:prstGeom prst="rect">
+            <a:avLst/>
+          </a:prstGeom>
+          <a:noFill/>
+          <a:ln>
+            <a:noFill/>
+          </a:ln>
+          <a:effectLst/>
+          <a:extLst>
+            <a:ext uri="{909E8E84-426E-40DD-AFC4-6F175D3DCCD1}">
+              <a14:hiddenFill xmlns:a14="http://schemas.microsoft.com/office/drawing/2010/main">
+                <a:solidFill>
+                  <a:schemeClr val="accent1"/>
+                </a:solidFill>
+              </a14:hiddenFill>
+            </a:ext>
+            <a:ext uri="{91240B29-F687-4F45-9708-019B960494DF}">
+              <a14:hiddenLine xmlns:a14="http://schemas.microsoft.com/office/drawing/2010/main" w="9525">
                 <a:solidFill>
                   <a:schemeClr val="tx1"/>
                 </a:solidFill>
-              </a:rPr>
-              <a:t>://refactoring.guru/ru/design-patterns/python</a:t>
-            </a:r>
-            <a:endParaRPr lang="ru-RU" dirty="0">
-              <a:solidFill>
-                <a:schemeClr val="tx1"/>
-              </a:solidFill>
-            </a:endParaRPr>
-          </a:p>
-        </p:txBody>
-      </p:sp>
+                <a:miter lim="800000"/>
+                <a:headEnd/>
+                <a:tailEnd/>
+              </a14:hiddenLine>
+            </a:ext>
+            <a:ext uri="{AF507438-7753-43E0-B8FC-AC1667EBCBE1}">
+              <a14:hiddenEffects xmlns:a14="http://schemas.microsoft.com/office/drawing/2010/main">
+                <a:effectLst>
+                  <a:outerShdw dist="35921" dir="2700000" algn="ctr" rotWithShape="0">
+                    <a:schemeClr val="bg2"/>
+                  </a:outerShdw>
+                </a:effectLst>
+              </a14:hiddenEffects>
+            </a:ext>
+          </a:extLst>
+        </p:spPr>
+      </p:pic>
     </p:spTree>
     <p:extLst>
       <p:ext uri="{BB962C8B-B14F-4D97-AF65-F5344CB8AC3E}">
-        <p14:creationId xmlns:p14="http://schemas.microsoft.com/office/powerpoint/2010/main" val="2222859790"/>
+        <p14:creationId xmlns:p14="http://schemas.microsoft.com/office/powerpoint/2010/main" val="1076896682"/>
+      </p:ext>
+    </p:extLst>
+  </p:cSld>
+  <p:clrMapOvr>
+    <a:masterClrMapping/>
+  </p:clrMapOvr>
+</p:sld>
+</file>
+
+<file path=ppt/slides/slide19.xml><?xml version="1.0" encoding="utf-8"?>
+<p:sld xmlns:a="http://schemas.openxmlformats.org/drawingml/2006/main" xmlns:r="http://schemas.openxmlformats.org/officeDocument/2006/relationships" xmlns:p="http://schemas.openxmlformats.org/presentationml/2006/main">
+  <p:cSld>
+    <p:spTree>
+      <p:nvGrpSpPr>
+        <p:cNvPr id="1" name=""/>
+        <p:cNvGrpSpPr/>
+        <p:nvPr/>
+      </p:nvGrpSpPr>
+      <p:grpSpPr>
+        <a:xfrm>
+          <a:off x="0" y="0"/>
+          <a:ext cx="0" cy="0"/>
+          <a:chOff x="0" y="0"/>
+          <a:chExt cx="0" cy="0"/>
+        </a:xfrm>
+      </p:grpSpPr>
+      <p:sp>
+        <p:nvSpPr>
+          <p:cNvPr id="2" name="Заголовок 1"/>
+          <p:cNvSpPr>
+            <a:spLocks noGrp="1"/>
+          </p:cNvSpPr>
+          <p:nvPr>
+            <p:ph type="title"/>
+          </p:nvPr>
+        </p:nvSpPr>
+        <p:spPr/>
+        <p:txBody>
+          <a:bodyPr/>
+          <a:lstStyle/>
+          <a:p>
+            <a:r>
+              <a:rPr lang="ru-RU" b="1" dirty="0" err="1"/>
+              <a:t>Ланцюг</a:t>
+            </a:r>
+            <a:r>
+              <a:rPr lang="ru-RU" b="1" dirty="0"/>
+              <a:t> </a:t>
+            </a:r>
+            <a:r>
+              <a:rPr lang="ru-RU" b="1" dirty="0" err="1"/>
+              <a:t>обов'язків</a:t>
+            </a:r>
+            <a:r>
+              <a:rPr lang="ru-RU" b="1" dirty="0"/>
+              <a:t> (</a:t>
+            </a:r>
+            <a:r>
+              <a:rPr lang="en-US" b="1" dirty="0"/>
+              <a:t>Chain of Responsibility)</a:t>
+            </a:r>
+            <a:endParaRPr lang="ru-RU" b="1" dirty="0"/>
+          </a:p>
+        </p:txBody>
+      </p:sp>
+      <p:sp>
+        <p:nvSpPr>
+          <p:cNvPr id="3" name="Текст 2"/>
+          <p:cNvSpPr>
+            <a:spLocks noGrp="1"/>
+          </p:cNvSpPr>
+          <p:nvPr>
+            <p:ph type="body" idx="1"/>
+          </p:nvPr>
+        </p:nvSpPr>
+        <p:spPr>
+          <a:xfrm>
+            <a:off x="415600" y="1536633"/>
+            <a:ext cx="6665684" cy="4800372"/>
+          </a:xfrm>
+        </p:spPr>
+        <p:txBody>
+          <a:bodyPr>
+            <a:normAutofit lnSpcReduction="10000"/>
+          </a:bodyPr>
+          <a:lstStyle/>
+          <a:p>
+            <a:pPr marL="186262" indent="0">
+              <a:buNone/>
+            </a:pPr>
+            <a:r>
+              <a:rPr lang="ru-RU" b="1" dirty="0" err="1" smtClean="0"/>
+              <a:t>Ланцюг</a:t>
+            </a:r>
+            <a:r>
+              <a:rPr lang="ru-RU" b="1" dirty="0" smtClean="0"/>
+              <a:t> </a:t>
+            </a:r>
+            <a:r>
+              <a:rPr lang="ru-RU" b="1" dirty="0" err="1"/>
+              <a:t>обов'язків</a:t>
+            </a:r>
+            <a:r>
+              <a:rPr lang="ru-RU" b="1" dirty="0"/>
+              <a:t> (</a:t>
+            </a:r>
+            <a:r>
+              <a:rPr lang="en-US" b="1" dirty="0"/>
+              <a:t>Chain of Responsibility)</a:t>
+            </a:r>
+            <a:r>
+              <a:rPr lang="en-US" dirty="0"/>
+              <a:t> — </a:t>
+            </a:r>
+            <a:r>
+              <a:rPr lang="ru-RU" dirty="0" err="1"/>
+              <a:t>це</a:t>
+            </a:r>
+            <a:r>
+              <a:rPr lang="ru-RU" dirty="0"/>
+              <a:t> </a:t>
+            </a:r>
+            <a:r>
+              <a:rPr lang="ru-RU" b="1" dirty="0" err="1"/>
+              <a:t>поведінковий</a:t>
+            </a:r>
+            <a:r>
+              <a:rPr lang="ru-RU" b="1" dirty="0"/>
+              <a:t> </a:t>
+            </a:r>
+            <a:r>
+              <a:rPr lang="ru-RU" b="1" dirty="0" err="1"/>
+              <a:t>патерн</a:t>
+            </a:r>
+            <a:r>
+              <a:rPr lang="ru-RU" dirty="0"/>
+              <a:t>, </a:t>
+            </a:r>
+            <a:r>
+              <a:rPr lang="ru-RU" dirty="0" err="1"/>
+              <a:t>який</a:t>
+            </a:r>
+            <a:r>
+              <a:rPr lang="ru-RU" dirty="0"/>
+              <a:t> </a:t>
+            </a:r>
+            <a:r>
+              <a:rPr lang="ru-RU" dirty="0" err="1"/>
+              <a:t>дозволяє</a:t>
+            </a:r>
+            <a:r>
+              <a:rPr lang="ru-RU" dirty="0"/>
+              <a:t> </a:t>
+            </a:r>
+            <a:r>
+              <a:rPr lang="ru-RU" b="1" dirty="0" err="1"/>
+              <a:t>послідовно</a:t>
+            </a:r>
+            <a:r>
+              <a:rPr lang="ru-RU" b="1" dirty="0"/>
+              <a:t> </a:t>
+            </a:r>
+            <a:r>
+              <a:rPr lang="ru-RU" b="1" dirty="0" err="1"/>
+              <a:t>передавати</a:t>
+            </a:r>
+            <a:r>
+              <a:rPr lang="ru-RU" b="1" dirty="0"/>
+              <a:t> запит </a:t>
+            </a:r>
+            <a:r>
+              <a:rPr lang="ru-RU" b="1" dirty="0" err="1"/>
+              <a:t>між</a:t>
+            </a:r>
+            <a:r>
+              <a:rPr lang="ru-RU" b="1" dirty="0"/>
+              <a:t> </a:t>
+            </a:r>
+            <a:r>
+              <a:rPr lang="ru-RU" b="1" dirty="0" err="1"/>
+              <a:t>обробниками</a:t>
+            </a:r>
+            <a:r>
+              <a:rPr lang="ru-RU" dirty="0"/>
+              <a:t>, </a:t>
+            </a:r>
+            <a:r>
+              <a:rPr lang="ru-RU" dirty="0" err="1"/>
+              <a:t>поки</a:t>
+            </a:r>
+            <a:r>
+              <a:rPr lang="ru-RU" dirty="0"/>
+              <a:t> один </a:t>
+            </a:r>
+            <a:r>
+              <a:rPr lang="ru-RU" dirty="0" err="1"/>
+              <a:t>із</a:t>
+            </a:r>
+            <a:r>
+              <a:rPr lang="ru-RU" dirty="0"/>
+              <a:t> них не </a:t>
+            </a:r>
+            <a:r>
+              <a:rPr lang="ru-RU" dirty="0" err="1"/>
+              <a:t>зможе</a:t>
+            </a:r>
+            <a:r>
+              <a:rPr lang="ru-RU" dirty="0"/>
+              <a:t> </a:t>
+            </a:r>
+            <a:r>
+              <a:rPr lang="ru-RU" dirty="0" err="1"/>
+              <a:t>його</a:t>
+            </a:r>
+            <a:r>
+              <a:rPr lang="ru-RU" dirty="0"/>
+              <a:t> </a:t>
+            </a:r>
+            <a:r>
+              <a:rPr lang="ru-RU" dirty="0" err="1" smtClean="0"/>
+              <a:t>обробити</a:t>
+            </a:r>
+            <a:r>
+              <a:rPr lang="ru-RU" dirty="0" smtClean="0"/>
+              <a:t>. </a:t>
+            </a:r>
+            <a:r>
+              <a:rPr lang="ru-RU" b="1" dirty="0" err="1" smtClean="0"/>
+              <a:t>Основна</a:t>
+            </a:r>
+            <a:r>
+              <a:rPr lang="ru-RU" b="1" dirty="0" smtClean="0"/>
+              <a:t> </a:t>
+            </a:r>
+            <a:r>
+              <a:rPr lang="ru-RU" b="1" dirty="0" err="1"/>
+              <a:t>ідея</a:t>
+            </a:r>
+            <a:r>
+              <a:rPr lang="ru-RU" dirty="0"/>
+              <a:t> – </a:t>
+            </a:r>
+            <a:r>
+              <a:rPr lang="ru-RU" dirty="0" err="1"/>
+              <a:t>кожен</a:t>
+            </a:r>
+            <a:r>
+              <a:rPr lang="ru-RU" dirty="0"/>
+              <a:t> </a:t>
+            </a:r>
+            <a:r>
+              <a:rPr lang="ru-RU" dirty="0" err="1"/>
+              <a:t>обробник</a:t>
+            </a:r>
+            <a:r>
+              <a:rPr lang="ru-RU" dirty="0"/>
+              <a:t> </a:t>
+            </a:r>
+            <a:r>
+              <a:rPr lang="ru-RU" b="1" dirty="0" err="1"/>
+              <a:t>або</a:t>
+            </a:r>
+            <a:r>
+              <a:rPr lang="ru-RU" b="1" dirty="0"/>
+              <a:t> </a:t>
+            </a:r>
+            <a:r>
+              <a:rPr lang="ru-RU" b="1" dirty="0" err="1"/>
+              <a:t>обробляє</a:t>
+            </a:r>
+            <a:r>
+              <a:rPr lang="ru-RU" b="1" dirty="0"/>
+              <a:t> запит, </a:t>
+            </a:r>
+            <a:r>
+              <a:rPr lang="ru-RU" b="1" dirty="0" err="1"/>
+              <a:t>або</a:t>
+            </a:r>
+            <a:r>
+              <a:rPr lang="ru-RU" b="1" dirty="0"/>
+              <a:t> </a:t>
+            </a:r>
+            <a:r>
+              <a:rPr lang="ru-RU" b="1" dirty="0" err="1"/>
+              <a:t>передає</a:t>
+            </a:r>
+            <a:r>
+              <a:rPr lang="ru-RU" b="1" dirty="0"/>
+              <a:t> </a:t>
+            </a:r>
+            <a:r>
+              <a:rPr lang="ru-RU" b="1" dirty="0" err="1"/>
+              <a:t>його</a:t>
+            </a:r>
+            <a:r>
+              <a:rPr lang="ru-RU" b="1" dirty="0"/>
+              <a:t> </a:t>
+            </a:r>
+            <a:r>
+              <a:rPr lang="ru-RU" b="1" dirty="0" err="1"/>
+              <a:t>далі</a:t>
+            </a:r>
+            <a:r>
+              <a:rPr lang="ru-RU" b="1" dirty="0"/>
+              <a:t> по </a:t>
+            </a:r>
+            <a:r>
+              <a:rPr lang="ru-RU" b="1" dirty="0" err="1"/>
+              <a:t>ланцюгу</a:t>
+            </a:r>
+            <a:r>
+              <a:rPr lang="ru-RU" dirty="0"/>
+              <a:t>.</a:t>
+            </a:r>
+          </a:p>
+          <a:p>
+            <a:pPr marL="186262" indent="0">
+              <a:buNone/>
+            </a:pPr>
+            <a:r>
+              <a:rPr lang="ru-RU" b="1" dirty="0" smtClean="0"/>
+              <a:t>Коли </a:t>
+            </a:r>
+            <a:r>
+              <a:rPr lang="ru-RU" b="1" dirty="0" err="1"/>
+              <a:t>використовувати</a:t>
+            </a:r>
+            <a:r>
+              <a:rPr lang="ru-RU" b="1" dirty="0"/>
+              <a:t> </a:t>
+            </a:r>
+            <a:r>
+              <a:rPr lang="ru-RU" b="1" dirty="0" err="1"/>
+              <a:t>патерн</a:t>
+            </a:r>
+            <a:r>
+              <a:rPr lang="ru-RU" b="1" dirty="0"/>
+              <a:t> </a:t>
+            </a:r>
+            <a:r>
+              <a:rPr lang="ru-RU" b="1" dirty="0" err="1"/>
+              <a:t>Ланцюг</a:t>
+            </a:r>
+            <a:r>
+              <a:rPr lang="ru-RU" b="1" dirty="0"/>
+              <a:t> </a:t>
+            </a:r>
+            <a:r>
+              <a:rPr lang="ru-RU" b="1" dirty="0" err="1"/>
+              <a:t>обов'язків</a:t>
+            </a:r>
+            <a:r>
+              <a:rPr lang="ru-RU" b="1" dirty="0"/>
+              <a:t>?</a:t>
+            </a:r>
+          </a:p>
+          <a:p>
+            <a:r>
+              <a:rPr lang="ru-RU" b="1" dirty="0" err="1" smtClean="0"/>
+              <a:t>Якщо</a:t>
+            </a:r>
+            <a:r>
+              <a:rPr lang="ru-RU" b="1" dirty="0" smtClean="0"/>
+              <a:t> </a:t>
+            </a:r>
+            <a:r>
+              <a:rPr lang="ru-RU" b="1" dirty="0" err="1"/>
+              <a:t>необхідно</a:t>
+            </a:r>
+            <a:r>
+              <a:rPr lang="ru-RU" b="1" dirty="0"/>
+              <a:t> </a:t>
+            </a:r>
+            <a:r>
+              <a:rPr lang="ru-RU" b="1" dirty="0" err="1"/>
+              <a:t>уникнути</a:t>
+            </a:r>
+            <a:r>
+              <a:rPr lang="ru-RU" b="1" dirty="0"/>
+              <a:t> </a:t>
+            </a:r>
+            <a:r>
+              <a:rPr lang="ru-RU" b="1" dirty="0" err="1"/>
+              <a:t>жорсткої</a:t>
+            </a:r>
+            <a:r>
+              <a:rPr lang="ru-RU" b="1" dirty="0"/>
+              <a:t> </a:t>
+            </a:r>
+            <a:r>
+              <a:rPr lang="ru-RU" b="1" dirty="0" err="1"/>
+              <a:t>прив’язки</a:t>
+            </a:r>
+            <a:r>
+              <a:rPr lang="ru-RU" b="1" dirty="0"/>
+              <a:t> </a:t>
+            </a:r>
+            <a:r>
+              <a:rPr lang="ru-RU" b="1" dirty="0" err="1"/>
+              <a:t>між</a:t>
+            </a:r>
+            <a:r>
+              <a:rPr lang="ru-RU" b="1" dirty="0"/>
+              <a:t> </a:t>
+            </a:r>
+            <a:r>
+              <a:rPr lang="ru-RU" b="1" dirty="0" err="1"/>
+              <a:t>відправником</a:t>
+            </a:r>
+            <a:r>
+              <a:rPr lang="ru-RU" b="1" dirty="0"/>
+              <a:t> і </a:t>
+            </a:r>
+            <a:r>
+              <a:rPr lang="ru-RU" b="1" dirty="0" err="1"/>
+              <a:t>отримувачем</a:t>
+            </a:r>
+            <a:r>
+              <a:rPr lang="ru-RU" b="1" dirty="0"/>
+              <a:t> </a:t>
+            </a:r>
+            <a:r>
+              <a:rPr lang="ru-RU" b="1" dirty="0" err="1" smtClean="0"/>
+              <a:t>запиту</a:t>
+            </a:r>
+            <a:r>
+              <a:rPr lang="ru-RU" dirty="0" smtClean="0"/>
+              <a:t>.</a:t>
+            </a:r>
+          </a:p>
+          <a:p>
+            <a:r>
+              <a:rPr lang="ru-RU" b="1" dirty="0" err="1" smtClean="0"/>
+              <a:t>Якщо</a:t>
+            </a:r>
+            <a:r>
+              <a:rPr lang="ru-RU" b="1" dirty="0" smtClean="0"/>
+              <a:t> </a:t>
+            </a:r>
+            <a:r>
+              <a:rPr lang="ru-RU" b="1" dirty="0"/>
+              <a:t>є </a:t>
+            </a:r>
+            <a:r>
+              <a:rPr lang="ru-RU" b="1" dirty="0" err="1"/>
+              <a:t>кілька</a:t>
+            </a:r>
+            <a:r>
+              <a:rPr lang="ru-RU" b="1" dirty="0"/>
+              <a:t> </a:t>
+            </a:r>
+            <a:r>
+              <a:rPr lang="ru-RU" b="1" dirty="0" err="1"/>
+              <a:t>потенційних</a:t>
+            </a:r>
+            <a:r>
+              <a:rPr lang="ru-RU" b="1" dirty="0"/>
+              <a:t> </a:t>
+            </a:r>
+            <a:r>
+              <a:rPr lang="ru-RU" b="1" dirty="0" err="1"/>
+              <a:t>обробників</a:t>
+            </a:r>
+            <a:r>
+              <a:rPr lang="ru-RU" b="1" dirty="0"/>
+              <a:t> </a:t>
+            </a:r>
+            <a:r>
+              <a:rPr lang="ru-RU" b="1" dirty="0" err="1"/>
+              <a:t>запиту</a:t>
+            </a:r>
+            <a:r>
+              <a:rPr lang="ru-RU" b="1" dirty="0"/>
+              <a:t>, і </a:t>
+            </a:r>
+            <a:r>
+              <a:rPr lang="ru-RU" b="1" dirty="0" err="1"/>
+              <a:t>їх</a:t>
+            </a:r>
+            <a:r>
+              <a:rPr lang="ru-RU" b="1" dirty="0"/>
+              <a:t> порядок </a:t>
+            </a:r>
+            <a:r>
+              <a:rPr lang="ru-RU" b="1" dirty="0" err="1"/>
+              <a:t>має</a:t>
+            </a:r>
+            <a:r>
+              <a:rPr lang="ru-RU" b="1" dirty="0"/>
+              <a:t> бути </a:t>
+            </a:r>
+            <a:r>
+              <a:rPr lang="ru-RU" b="1" dirty="0" err="1" smtClean="0"/>
+              <a:t>гнучким</a:t>
+            </a:r>
+            <a:r>
+              <a:rPr lang="ru-RU" dirty="0" smtClean="0"/>
+              <a:t>.</a:t>
+            </a:r>
+          </a:p>
+          <a:p>
+            <a:r>
+              <a:rPr lang="ru-RU" b="1" dirty="0" err="1" smtClean="0"/>
+              <a:t>Якщо</a:t>
+            </a:r>
+            <a:r>
+              <a:rPr lang="ru-RU" b="1" dirty="0" smtClean="0"/>
+              <a:t> </a:t>
+            </a:r>
+            <a:r>
+              <a:rPr lang="ru-RU" b="1" dirty="0" err="1"/>
+              <a:t>потрібно</a:t>
+            </a:r>
+            <a:r>
+              <a:rPr lang="ru-RU" b="1" dirty="0"/>
+              <a:t> </a:t>
+            </a:r>
+            <a:r>
+              <a:rPr lang="ru-RU" b="1" dirty="0" err="1"/>
+              <a:t>дати</a:t>
+            </a:r>
+            <a:r>
+              <a:rPr lang="ru-RU" b="1" dirty="0"/>
+              <a:t> </a:t>
+            </a:r>
+            <a:r>
+              <a:rPr lang="ru-RU" b="1" dirty="0" err="1"/>
+              <a:t>можливість</a:t>
+            </a:r>
+            <a:r>
+              <a:rPr lang="ru-RU" b="1" dirty="0"/>
+              <a:t> </a:t>
+            </a:r>
+            <a:r>
+              <a:rPr lang="ru-RU" b="1" dirty="0" err="1"/>
+              <a:t>кільком</a:t>
+            </a:r>
+            <a:r>
+              <a:rPr lang="ru-RU" b="1" dirty="0"/>
+              <a:t> </a:t>
+            </a:r>
+            <a:r>
+              <a:rPr lang="ru-RU" b="1" dirty="0" err="1"/>
+              <a:t>обробникам</a:t>
+            </a:r>
+            <a:r>
+              <a:rPr lang="ru-RU" b="1" dirty="0"/>
+              <a:t> </a:t>
+            </a:r>
+            <a:r>
+              <a:rPr lang="ru-RU" b="1" dirty="0" err="1"/>
+              <a:t>працювати</a:t>
+            </a:r>
+            <a:r>
+              <a:rPr lang="ru-RU" b="1" dirty="0"/>
+              <a:t> над одним запитом</a:t>
+            </a:r>
+            <a:r>
+              <a:rPr lang="ru-RU" dirty="0"/>
+              <a:t> (</a:t>
+            </a:r>
+            <a:r>
+              <a:rPr lang="ru-RU" dirty="0" err="1"/>
+              <a:t>наприклад</a:t>
+            </a:r>
+            <a:r>
+              <a:rPr lang="ru-RU" dirty="0"/>
+              <a:t>, у </a:t>
+            </a:r>
+            <a:r>
+              <a:rPr lang="ru-RU" dirty="0" err="1"/>
+              <a:t>випадку</a:t>
+            </a:r>
+            <a:r>
+              <a:rPr lang="ru-RU" dirty="0"/>
+              <a:t> </a:t>
+            </a:r>
+            <a:r>
+              <a:rPr lang="ru-RU" dirty="0" err="1"/>
+              <a:t>системи</a:t>
+            </a:r>
+            <a:r>
+              <a:rPr lang="ru-RU" dirty="0"/>
+              <a:t> </a:t>
+            </a:r>
+            <a:r>
+              <a:rPr lang="ru-RU" dirty="0" err="1"/>
+              <a:t>логування</a:t>
+            </a:r>
+            <a:r>
+              <a:rPr lang="ru-RU" dirty="0"/>
+              <a:t> </a:t>
+            </a:r>
+            <a:r>
+              <a:rPr lang="ru-RU" dirty="0" err="1"/>
+              <a:t>або</a:t>
+            </a:r>
+            <a:r>
+              <a:rPr lang="ru-RU" dirty="0"/>
+              <a:t> </a:t>
+            </a:r>
+            <a:r>
+              <a:rPr lang="ru-RU" dirty="0" err="1"/>
+              <a:t>безпеки</a:t>
+            </a:r>
+            <a:r>
+              <a:rPr lang="ru-RU" dirty="0"/>
+              <a:t>).</a:t>
+            </a:r>
+          </a:p>
+          <a:p>
+            <a:pPr marL="186262" indent="0">
+              <a:buNone/>
+            </a:pPr>
+            <a:endParaRPr lang="ru-RU" dirty="0"/>
+          </a:p>
+        </p:txBody>
+      </p:sp>
+      <p:sp>
+        <p:nvSpPr>
+          <p:cNvPr id="6" name="AutoShape 4" descr="Adiós John Vlissides | La Naturaleza del Software"/>
+          <p:cNvSpPr>
+            <a:spLocks noChangeAspect="1" noChangeArrowheads="1"/>
+          </p:cNvSpPr>
+          <p:nvPr/>
+        </p:nvSpPr>
+        <p:spPr bwMode="auto">
+          <a:xfrm>
+            <a:off x="155575" y="-144463"/>
+            <a:ext cx="304800" cy="304801"/>
+          </a:xfrm>
+          <a:prstGeom prst="rect">
+            <a:avLst/>
+          </a:prstGeom>
+          <a:noFill/>
+          <a:extLst>
+            <a:ext uri="{909E8E84-426E-40DD-AFC4-6F175D3DCCD1}">
+              <a14:hiddenFill xmlns:a14="http://schemas.microsoft.com/office/drawing/2010/main">
+                <a:solidFill>
+                  <a:srgbClr val="FFFFFF"/>
+                </a:solidFill>
+              </a14:hiddenFill>
+            </a:ext>
+          </a:extLst>
+        </p:spPr>
+        <p:txBody>
+          <a:bodyPr vert="horz" wrap="square" lIns="91440" tIns="45720" rIns="91440" bIns="45720" numCol="1" anchor="t" anchorCtr="0" compatLnSpc="1">
+            <a:prstTxWarp prst="textNoShape">
+              <a:avLst/>
+            </a:prstTxWarp>
+          </a:bodyPr>
+          <a:lstStyle/>
+          <a:p>
+            <a:endParaRPr lang="ru-RU"/>
+          </a:p>
+        </p:txBody>
+      </p:sp>
+      <p:sp>
+        <p:nvSpPr>
+          <p:cNvPr id="7" name="AutoShape 6" descr="Adiós John Vlissides | La Naturaleza del Software"/>
+          <p:cNvSpPr>
+            <a:spLocks noChangeAspect="1" noChangeArrowheads="1"/>
+          </p:cNvSpPr>
+          <p:nvPr/>
+        </p:nvSpPr>
+        <p:spPr bwMode="auto">
+          <a:xfrm>
+            <a:off x="307975" y="7937"/>
+            <a:ext cx="304800" cy="304801"/>
+          </a:xfrm>
+          <a:prstGeom prst="rect">
+            <a:avLst/>
+          </a:prstGeom>
+          <a:noFill/>
+          <a:extLst>
+            <a:ext uri="{909E8E84-426E-40DD-AFC4-6F175D3DCCD1}">
+              <a14:hiddenFill xmlns:a14="http://schemas.microsoft.com/office/drawing/2010/main">
+                <a:solidFill>
+                  <a:srgbClr val="FFFFFF"/>
+                </a:solidFill>
+              </a14:hiddenFill>
+            </a:ext>
+          </a:extLst>
+        </p:spPr>
+        <p:txBody>
+          <a:bodyPr vert="horz" wrap="square" lIns="91440" tIns="45720" rIns="91440" bIns="45720" numCol="1" anchor="t" anchorCtr="0" compatLnSpc="1">
+            <a:prstTxWarp prst="textNoShape">
+              <a:avLst/>
+            </a:prstTxWarp>
+          </a:bodyPr>
+          <a:lstStyle/>
+          <a:p>
+            <a:endParaRPr lang="ru-RU"/>
+          </a:p>
+        </p:txBody>
+      </p:sp>
+      <p:sp>
+        <p:nvSpPr>
+          <p:cNvPr id="8" name="AutoShape 8" descr="https://lnds.net/blog/lnds/2005/11/28/adios-john-vlissides/GOF-OOPSLA-1994_hud4ba4d769b17bed9bedfa43cf34b9c50_53287_8b4ed1cae97cd1c8c0242a5f7000d799.webp"/>
+          <p:cNvSpPr>
+            <a:spLocks noChangeAspect="1" noChangeArrowheads="1"/>
+          </p:cNvSpPr>
+          <p:nvPr/>
+        </p:nvSpPr>
+        <p:spPr bwMode="auto">
+          <a:xfrm>
+            <a:off x="460375" y="160337"/>
+            <a:ext cx="304800" cy="304801"/>
+          </a:xfrm>
+          <a:prstGeom prst="rect">
+            <a:avLst/>
+          </a:prstGeom>
+          <a:noFill/>
+          <a:extLst>
+            <a:ext uri="{909E8E84-426E-40DD-AFC4-6F175D3DCCD1}">
+              <a14:hiddenFill xmlns:a14="http://schemas.microsoft.com/office/drawing/2010/main">
+                <a:solidFill>
+                  <a:srgbClr val="FFFFFF"/>
+                </a:solidFill>
+              </a14:hiddenFill>
+            </a:ext>
+          </a:extLst>
+        </p:spPr>
+        <p:txBody>
+          <a:bodyPr vert="horz" wrap="square" lIns="91440" tIns="45720" rIns="91440" bIns="45720" numCol="1" anchor="t" anchorCtr="0" compatLnSpc="1">
+            <a:prstTxWarp prst="textNoShape">
+              <a:avLst/>
+            </a:prstTxWarp>
+          </a:bodyPr>
+          <a:lstStyle/>
+          <a:p>
+            <a:endParaRPr lang="ru-RU"/>
+          </a:p>
+        </p:txBody>
+      </p:sp>
+      <p:sp>
+        <p:nvSpPr>
+          <p:cNvPr id="9" name="AutoShape 10" descr="https://lnds.net/blog/lnds/2005/11/28/adios-john-vlissides/GOF-OOPSLA-1994_hud4ba4d769b17bed9bedfa43cf34b9c50_53287_8b4ed1cae97cd1c8c0242a5f7000d799.webp"/>
+          <p:cNvSpPr>
+            <a:spLocks noChangeAspect="1" noChangeArrowheads="1"/>
+          </p:cNvSpPr>
+          <p:nvPr/>
+        </p:nvSpPr>
+        <p:spPr bwMode="auto">
+          <a:xfrm>
+            <a:off x="612775" y="312737"/>
+            <a:ext cx="304800" cy="304801"/>
+          </a:xfrm>
+          <a:prstGeom prst="rect">
+            <a:avLst/>
+          </a:prstGeom>
+          <a:noFill/>
+          <a:extLst>
+            <a:ext uri="{909E8E84-426E-40DD-AFC4-6F175D3DCCD1}">
+              <a14:hiddenFill xmlns:a14="http://schemas.microsoft.com/office/drawing/2010/main">
+                <a:solidFill>
+                  <a:srgbClr val="FFFFFF"/>
+                </a:solidFill>
+              </a14:hiddenFill>
+            </a:ext>
+          </a:extLst>
+        </p:spPr>
+        <p:txBody>
+          <a:bodyPr vert="horz" wrap="square" lIns="91440" tIns="45720" rIns="91440" bIns="45720" numCol="1" anchor="t" anchorCtr="0" compatLnSpc="1">
+            <a:prstTxWarp prst="textNoShape">
+              <a:avLst/>
+            </a:prstTxWarp>
+          </a:bodyPr>
+          <a:lstStyle/>
+          <a:p>
+            <a:endParaRPr lang="ru-RU"/>
+          </a:p>
+        </p:txBody>
+      </p:sp>
+      <p:pic>
+        <p:nvPicPr>
+          <p:cNvPr id="12290" name="Picture 2"/>
+          <p:cNvPicPr>
+            <a:picLocks noChangeAspect="1" noChangeArrowheads="1"/>
+          </p:cNvPicPr>
+          <p:nvPr/>
+        </p:nvPicPr>
+        <p:blipFill>
+          <a:blip r:embed="rId2">
+            <a:extLst>
+              <a:ext uri="{28A0092B-C50C-407E-A947-70E740481C1C}">
+                <a14:useLocalDpi xmlns:a14="http://schemas.microsoft.com/office/drawing/2010/main" val="0"/>
+              </a:ext>
+            </a:extLst>
+          </a:blip>
+          <a:srcRect/>
+          <a:stretch>
+            <a:fillRect/>
+          </a:stretch>
+        </p:blipFill>
+        <p:spPr bwMode="auto">
+          <a:xfrm>
+            <a:off x="9016410" y="160338"/>
+            <a:ext cx="3067271" cy="6557879"/>
+          </a:xfrm>
+          <a:prstGeom prst="rect">
+            <a:avLst/>
+          </a:prstGeom>
+          <a:noFill/>
+          <a:ln>
+            <a:noFill/>
+          </a:ln>
+          <a:effectLst/>
+          <a:extLst>
+            <a:ext uri="{909E8E84-426E-40DD-AFC4-6F175D3DCCD1}">
+              <a14:hiddenFill xmlns:a14="http://schemas.microsoft.com/office/drawing/2010/main">
+                <a:solidFill>
+                  <a:schemeClr val="accent1"/>
+                </a:solidFill>
+              </a14:hiddenFill>
+            </a:ext>
+            <a:ext uri="{91240B29-F687-4F45-9708-019B960494DF}">
+              <a14:hiddenLine xmlns:a14="http://schemas.microsoft.com/office/drawing/2010/main" w="9525">
+                <a:solidFill>
+                  <a:schemeClr val="tx1"/>
+                </a:solidFill>
+                <a:miter lim="800000"/>
+                <a:headEnd/>
+                <a:tailEnd/>
+              </a14:hiddenLine>
+            </a:ext>
+            <a:ext uri="{AF507438-7753-43E0-B8FC-AC1667EBCBE1}">
+              <a14:hiddenEffects xmlns:a14="http://schemas.microsoft.com/office/drawing/2010/main">
+                <a:effectLst>
+                  <a:outerShdw dist="35921" dir="2700000" algn="ctr" rotWithShape="0">
+                    <a:schemeClr val="bg2"/>
+                  </a:outerShdw>
+                </a:effectLst>
+              </a14:hiddenEffects>
+            </a:ext>
+          </a:extLst>
+        </p:spPr>
+      </p:pic>
+    </p:spTree>
+    <p:extLst>
+      <p:ext uri="{BB962C8B-B14F-4D97-AF65-F5344CB8AC3E}">
+        <p14:creationId xmlns:p14="http://schemas.microsoft.com/office/powerpoint/2010/main" val="4163173492"/>
       </p:ext>
     </p:extLst>
   </p:cSld>
@@ -7912,6 +12098,165 @@
     <p:extLst>
       <p:ext uri="{BB962C8B-B14F-4D97-AF65-F5344CB8AC3E}">
         <p14:creationId xmlns:p14="http://schemas.microsoft.com/office/powerpoint/2010/main" val="1530433549"/>
+      </p:ext>
+    </p:extLst>
+  </p:cSld>
+  <p:clrMapOvr>
+    <a:masterClrMapping/>
+  </p:clrMapOvr>
+</p:sld>
+</file>
+
+<file path=ppt/slides/slide20.xml><?xml version="1.0" encoding="utf-8"?>
+<p:sld xmlns:a="http://schemas.openxmlformats.org/drawingml/2006/main" xmlns:r="http://schemas.openxmlformats.org/officeDocument/2006/relationships" xmlns:p="http://schemas.openxmlformats.org/presentationml/2006/main">
+  <p:cSld>
+    <p:spTree>
+      <p:nvGrpSpPr>
+        <p:cNvPr id="1" name=""/>
+        <p:cNvGrpSpPr/>
+        <p:nvPr/>
+      </p:nvGrpSpPr>
+      <p:grpSpPr>
+        <a:xfrm>
+          <a:off x="0" y="0"/>
+          <a:ext cx="0" cy="0"/>
+          <a:chOff x="0" y="0"/>
+          <a:chExt cx="0" cy="0"/>
+        </a:xfrm>
+      </p:grpSpPr>
+      <p:sp>
+        <p:nvSpPr>
+          <p:cNvPr id="2" name="Заголовок 1"/>
+          <p:cNvSpPr>
+            <a:spLocks noGrp="1"/>
+          </p:cNvSpPr>
+          <p:nvPr>
+            <p:ph type="title"/>
+          </p:nvPr>
+        </p:nvSpPr>
+        <p:spPr/>
+        <p:txBody>
+          <a:bodyPr/>
+          <a:lstStyle/>
+          <a:p>
+            <a:r>
+              <a:rPr lang="ru-RU" dirty="0" err="1" smtClean="0"/>
+              <a:t>Кінець</a:t>
+            </a:r>
+            <a:endParaRPr lang="ru-RU" dirty="0"/>
+          </a:p>
+        </p:txBody>
+      </p:sp>
+      <p:sp>
+        <p:nvSpPr>
+          <p:cNvPr id="3" name="Прямоугольник 2"/>
+          <p:cNvSpPr/>
+          <p:nvPr/>
+        </p:nvSpPr>
+        <p:spPr>
+          <a:xfrm>
+            <a:off x="1080923" y="1432244"/>
+            <a:ext cx="234360" cy="307777"/>
+          </a:xfrm>
+          <a:prstGeom prst="rect">
+            <a:avLst/>
+          </a:prstGeom>
+        </p:spPr>
+        <p:txBody>
+          <a:bodyPr wrap="none">
+            <a:spAutoFit/>
+          </a:bodyPr>
+          <a:lstStyle/>
+          <a:p>
+            <a:r>
+              <a:rPr lang="uk-UA" dirty="0">
+                <a:solidFill>
+                  <a:schemeClr val="tx1"/>
+                </a:solidFill>
+              </a:rPr>
+              <a:t>.</a:t>
+            </a:r>
+            <a:endParaRPr lang="ru-RU" dirty="0">
+              <a:solidFill>
+                <a:schemeClr val="tx1"/>
+              </a:solidFill>
+            </a:endParaRPr>
+          </a:p>
+        </p:txBody>
+      </p:sp>
+      <p:sp>
+        <p:nvSpPr>
+          <p:cNvPr id="4" name="Прямоугольник 3"/>
+          <p:cNvSpPr/>
+          <p:nvPr/>
+        </p:nvSpPr>
+        <p:spPr>
+          <a:xfrm>
+            <a:off x="4070445" y="3275112"/>
+            <a:ext cx="5724644" cy="307777"/>
+          </a:xfrm>
+          <a:prstGeom prst="rect">
+            <a:avLst/>
+          </a:prstGeom>
+        </p:spPr>
+        <p:txBody>
+          <a:bodyPr wrap="none">
+            <a:spAutoFit/>
+          </a:bodyPr>
+          <a:lstStyle/>
+          <a:p>
+            <a:r>
+              <a:rPr lang="uk-UA" dirty="0" smtClean="0">
+                <a:solidFill>
+                  <a:schemeClr val="tx1"/>
+                </a:solidFill>
+              </a:rPr>
+              <a:t>Більше про </a:t>
+            </a:r>
+            <a:r>
+              <a:rPr lang="uk-UA" dirty="0" err="1" smtClean="0">
+                <a:solidFill>
+                  <a:schemeClr val="tx1"/>
+                </a:solidFill>
+              </a:rPr>
+              <a:t>патерни</a:t>
+            </a:r>
+            <a:r>
+              <a:rPr lang="uk-UA" dirty="0" smtClean="0">
+                <a:solidFill>
+                  <a:schemeClr val="tx1"/>
+                </a:solidFill>
+              </a:rPr>
+              <a:t> </a:t>
+            </a:r>
+            <a:r>
+              <a:rPr lang="en-US" dirty="0" smtClean="0">
+                <a:solidFill>
+                  <a:schemeClr val="tx1"/>
+                </a:solidFill>
+              </a:rPr>
+              <a:t>https</a:t>
+            </a:r>
+            <a:r>
+              <a:rPr lang="en-US" dirty="0">
+                <a:solidFill>
+                  <a:schemeClr val="tx1"/>
+                </a:solidFill>
+              </a:rPr>
+              <a:t>://refactoring.guru/ru/design-patterns/python</a:t>
+            </a:r>
+            <a:endParaRPr lang="ru-RU" dirty="0">
+              <a:solidFill>
+                <a:schemeClr val="tx1"/>
+              </a:solidFill>
+            </a:endParaRPr>
+          </a:p>
+        </p:txBody>
+      </p:sp>
+    </p:spTree>
+    <p:extLst>
+      <p:ext uri="{BB962C8B-B14F-4D97-AF65-F5344CB8AC3E}">
+        <p14:creationId xmlns:p14="http://schemas.microsoft.com/office/powerpoint/2010/main" val="2222859790"/>
       </p:ext>
     </p:extLst>
   </p:cSld>
